--- a/docs/DB 테이블 정의.pptx
+++ b/docs/DB 테이블 정의.pptx
@@ -8,6 +8,7 @@
     <p:sldId id="256" r:id="rId2"/>
     <p:sldId id="257" r:id="rId3"/>
     <p:sldId id="258" r:id="rId4"/>
+    <p:sldId id="259" r:id="rId5"/>
   </p:sldIdLst>
   <p:sldSz cx="12192000" cy="6858000"/>
   <p:notesSz cx="6858000" cy="9144000"/>
@@ -117,7 +118,7 @@
 <file path=ppt/revisionInfo.xml><?xml version="1.0" encoding="utf-8"?>
 <p1510:revInfo xmlns:a="http://schemas.openxmlformats.org/drawingml/2006/main" xmlns:r="http://schemas.openxmlformats.org/officeDocument/2006/relationships" xmlns:p1510="http://schemas.microsoft.com/office/powerpoint/2015/10/main">
   <p1510:revLst>
-    <p1510:client id="{96244DD1-8A16-462E-A6AD-CD171567D77B}" v="35" dt="2021-10-26T09:40:35.296"/>
+    <p1510:client id="{96244DD1-8A16-462E-A6AD-CD171567D77B}" v="89" dt="2021-10-28T08:55:29.376"/>
   </p1510:revLst>
 </p1510:revInfo>
 </file>
@@ -127,16 +128,24 @@
   <pc:docChgLst>
     <pc:chgData name="한영진" userId="a5a0f9eb-bcd2-43e0-9aef-5cce23b321d2" providerId="ADAL" clId="{96244DD1-8A16-462E-A6AD-CD171567D77B}"/>
     <pc:docChg chg="undo custSel addSld modSld">
-      <pc:chgData name="한영진" userId="a5a0f9eb-bcd2-43e0-9aef-5cce23b321d2" providerId="ADAL" clId="{96244DD1-8A16-462E-A6AD-CD171567D77B}" dt="2021-10-26T11:53:21.663" v="2280" actId="20577"/>
+      <pc:chgData name="한영진" userId="a5a0f9eb-bcd2-43e0-9aef-5cce23b321d2" providerId="ADAL" clId="{96244DD1-8A16-462E-A6AD-CD171567D77B}" dt="2021-10-28T08:58:19.708" v="3907" actId="1076"/>
       <pc:docMkLst>
         <pc:docMk/>
       </pc:docMkLst>
-      <pc:sldChg chg="addSp delSp new mod">
-        <pc:chgData name="한영진" userId="a5a0f9eb-bcd2-43e0-9aef-5cce23b321d2" providerId="ADAL" clId="{96244DD1-8A16-462E-A6AD-CD171567D77B}" dt="2021-10-26T10:13:32.515" v="2266" actId="22"/>
+      <pc:sldChg chg="addSp delSp modSp new mod">
+        <pc:chgData name="한영진" userId="a5a0f9eb-bcd2-43e0-9aef-5cce23b321d2" providerId="ADAL" clId="{96244DD1-8A16-462E-A6AD-CD171567D77B}" dt="2021-10-28T08:58:19.708" v="3907" actId="1076"/>
         <pc:sldMkLst>
           <pc:docMk/>
           <pc:sldMk cId="2335473904" sldId="256"/>
         </pc:sldMkLst>
+        <pc:spChg chg="add del mod">
+          <ac:chgData name="한영진" userId="a5a0f9eb-bcd2-43e0-9aef-5cce23b321d2" providerId="ADAL" clId="{96244DD1-8A16-462E-A6AD-CD171567D77B}" dt="2021-10-28T08:23:33.267" v="2481" actId="478"/>
+          <ac:spMkLst>
+            <pc:docMk/>
+            <pc:sldMk cId="2335473904" sldId="256"/>
+            <ac:spMk id="2" creationId="{BDF70507-E231-44F3-900B-2AB0A24D3FFE}"/>
+          </ac:spMkLst>
+        </pc:spChg>
         <pc:spChg chg="del">
           <ac:chgData name="한영진" userId="a5a0f9eb-bcd2-43e0-9aef-5cce23b321d2" providerId="ADAL" clId="{96244DD1-8A16-462E-A6AD-CD171567D77B}" dt="2021-10-26T08:54:18.033" v="1" actId="478"/>
           <ac:spMkLst>
@@ -153,8 +162,48 @@
             <ac:spMk id="3" creationId="{0935E017-3387-418E-B2EF-2727D079FF68}"/>
           </ac:spMkLst>
         </pc:spChg>
-        <pc:picChg chg="add">
-          <ac:chgData name="한영진" userId="a5a0f9eb-bcd2-43e0-9aef-5cce23b321d2" providerId="ADAL" clId="{96244DD1-8A16-462E-A6AD-CD171567D77B}" dt="2021-10-26T10:13:32.515" v="2266" actId="22"/>
+        <pc:spChg chg="add del mod">
+          <ac:chgData name="한영진" userId="a5a0f9eb-bcd2-43e0-9aef-5cce23b321d2" providerId="ADAL" clId="{96244DD1-8A16-462E-A6AD-CD171567D77B}" dt="2021-10-28T08:23:33.267" v="2481" actId="478"/>
+          <ac:spMkLst>
+            <pc:docMk/>
+            <pc:sldMk cId="2335473904" sldId="256"/>
+            <ac:spMk id="4" creationId="{1AFF392D-6BD7-4959-872D-958CBAF9C195}"/>
+          </ac:spMkLst>
+        </pc:spChg>
+        <pc:spChg chg="add del mod">
+          <ac:chgData name="한영진" userId="a5a0f9eb-bcd2-43e0-9aef-5cce23b321d2" providerId="ADAL" clId="{96244DD1-8A16-462E-A6AD-CD171567D77B}" dt="2021-10-28T08:23:27.291" v="2479" actId="478"/>
+          <ac:spMkLst>
+            <pc:docMk/>
+            <pc:sldMk cId="2335473904" sldId="256"/>
+            <ac:spMk id="5" creationId="{8AE61536-7662-4827-BAB8-CDC04C985072}"/>
+          </ac:spMkLst>
+        </pc:spChg>
+        <pc:spChg chg="add del mod">
+          <ac:chgData name="한영진" userId="a5a0f9eb-bcd2-43e0-9aef-5cce23b321d2" providerId="ADAL" clId="{96244DD1-8A16-462E-A6AD-CD171567D77B}" dt="2021-10-28T08:23:27.291" v="2479" actId="478"/>
+          <ac:spMkLst>
+            <pc:docMk/>
+            <pc:sldMk cId="2335473904" sldId="256"/>
+            <ac:spMk id="6" creationId="{AE7A1168-A109-4266-9A8A-471CD2078FEC}"/>
+          </ac:spMkLst>
+        </pc:spChg>
+        <pc:spChg chg="add del mod">
+          <ac:chgData name="한영진" userId="a5a0f9eb-bcd2-43e0-9aef-5cce23b321d2" providerId="ADAL" clId="{96244DD1-8A16-462E-A6AD-CD171567D77B}" dt="2021-10-28T08:44:33.083" v="3141" actId="478"/>
+          <ac:spMkLst>
+            <pc:docMk/>
+            <pc:sldMk cId="2335473904" sldId="256"/>
+            <ac:spMk id="7" creationId="{49BBFB87-DC5E-4461-B4E0-9DF9F19BC736}"/>
+          </ac:spMkLst>
+        </pc:spChg>
+        <pc:spChg chg="add del mod">
+          <ac:chgData name="한영진" userId="a5a0f9eb-bcd2-43e0-9aef-5cce23b321d2" providerId="ADAL" clId="{96244DD1-8A16-462E-A6AD-CD171567D77B}" dt="2021-10-28T08:23:30.324" v="2480" actId="478"/>
+          <ac:spMkLst>
+            <pc:docMk/>
+            <pc:sldMk cId="2335473904" sldId="256"/>
+            <ac:spMk id="8" creationId="{68F76C6F-B7F2-4B5C-AF2E-F777BD223F39}"/>
+          </ac:spMkLst>
+        </pc:spChg>
+        <pc:picChg chg="add del">
+          <ac:chgData name="한영진" userId="a5a0f9eb-bcd2-43e0-9aef-5cce23b321d2" providerId="ADAL" clId="{96244DD1-8A16-462E-A6AD-CD171567D77B}" dt="2021-10-28T08:17:19.277" v="2475" actId="478"/>
           <ac:picMkLst>
             <pc:docMk/>
             <pc:sldMk cId="2335473904" sldId="256"/>
@@ -169,9 +218,49 @@
             <ac:picMk id="5" creationId="{F65F54A0-1926-4DB0-A23F-EB4BAD8ACB68}"/>
           </ac:picMkLst>
         </pc:picChg>
+        <pc:picChg chg="add del">
+          <ac:chgData name="한영진" userId="a5a0f9eb-bcd2-43e0-9aef-5cce23b321d2" providerId="ADAL" clId="{96244DD1-8A16-462E-A6AD-CD171567D77B}" dt="2021-10-28T08:17:26.643" v="2477" actId="478"/>
+          <ac:picMkLst>
+            <pc:docMk/>
+            <pc:sldMk cId="2335473904" sldId="256"/>
+            <ac:picMk id="10" creationId="{5F116B98-64DB-4C01-B3F5-A592646D3434}"/>
+          </ac:picMkLst>
+        </pc:picChg>
+        <pc:picChg chg="add del mod">
+          <ac:chgData name="한영진" userId="a5a0f9eb-bcd2-43e0-9aef-5cce23b321d2" providerId="ADAL" clId="{96244DD1-8A16-462E-A6AD-CD171567D77B}" dt="2021-10-28T08:44:25.152" v="3137" actId="478"/>
+          <ac:picMkLst>
+            <pc:docMk/>
+            <pc:sldMk cId="2335473904" sldId="256"/>
+            <ac:picMk id="12" creationId="{FB6F7CEF-2A75-4BE0-B472-50A471F2CD1D}"/>
+          </ac:picMkLst>
+        </pc:picChg>
+        <pc:picChg chg="add del mod">
+          <ac:chgData name="한영진" userId="a5a0f9eb-bcd2-43e0-9aef-5cce23b321d2" providerId="ADAL" clId="{96244DD1-8A16-462E-A6AD-CD171567D77B}" dt="2021-10-28T08:46:09.672" v="3181" actId="478"/>
+          <ac:picMkLst>
+            <pc:docMk/>
+            <pc:sldMk cId="2335473904" sldId="256"/>
+            <ac:picMk id="14" creationId="{8E57EF00-498C-4AEF-AF09-6CCED39CE677}"/>
+          </ac:picMkLst>
+        </pc:picChg>
+        <pc:picChg chg="add del mod">
+          <ac:chgData name="한영진" userId="a5a0f9eb-bcd2-43e0-9aef-5cce23b321d2" providerId="ADAL" clId="{96244DD1-8A16-462E-A6AD-CD171567D77B}" dt="2021-10-28T08:58:10.624" v="3901" actId="478"/>
+          <ac:picMkLst>
+            <pc:docMk/>
+            <pc:sldMk cId="2335473904" sldId="256"/>
+            <ac:picMk id="16" creationId="{00A3DC88-6F23-4B91-BA06-507355DC68A1}"/>
+          </ac:picMkLst>
+        </pc:picChg>
+        <pc:picChg chg="add mod">
+          <ac:chgData name="한영진" userId="a5a0f9eb-bcd2-43e0-9aef-5cce23b321d2" providerId="ADAL" clId="{96244DD1-8A16-462E-A6AD-CD171567D77B}" dt="2021-10-28T08:58:19.708" v="3907" actId="1076"/>
+          <ac:picMkLst>
+            <pc:docMk/>
+            <pc:sldMk cId="2335473904" sldId="256"/>
+            <ac:picMk id="18" creationId="{70D44BE3-2D20-4E25-91B4-962A50F27ECD}"/>
+          </ac:picMkLst>
+        </pc:picChg>
       </pc:sldChg>
       <pc:sldChg chg="delSp modSp new mod">
-        <pc:chgData name="한영진" userId="a5a0f9eb-bcd2-43e0-9aef-5cce23b321d2" providerId="ADAL" clId="{96244DD1-8A16-462E-A6AD-CD171567D77B}" dt="2021-10-26T11:53:21.663" v="2280" actId="20577"/>
+        <pc:chgData name="한영진" userId="a5a0f9eb-bcd2-43e0-9aef-5cce23b321d2" providerId="ADAL" clId="{96244DD1-8A16-462E-A6AD-CD171567D77B}" dt="2021-10-28T08:50:06.385" v="3393" actId="27636"/>
         <pc:sldMkLst>
           <pc:docMk/>
           <pc:sldMk cId="1593225661" sldId="257"/>
@@ -185,7 +274,7 @@
           </ac:spMkLst>
         </pc:spChg>
         <pc:spChg chg="mod">
-          <ac:chgData name="한영진" userId="a5a0f9eb-bcd2-43e0-9aef-5cce23b321d2" providerId="ADAL" clId="{96244DD1-8A16-462E-A6AD-CD171567D77B}" dt="2021-10-26T11:53:21.663" v="2280" actId="20577"/>
+          <ac:chgData name="한영진" userId="a5a0f9eb-bcd2-43e0-9aef-5cce23b321d2" providerId="ADAL" clId="{96244DD1-8A16-462E-A6AD-CD171567D77B}" dt="2021-10-28T08:50:06.385" v="3393" actId="27636"/>
           <ac:spMkLst>
             <pc:docMk/>
             <pc:sldMk cId="1593225661" sldId="257"/>
@@ -194,17 +283,32 @@
         </pc:spChg>
       </pc:sldChg>
       <pc:sldChg chg="addSp modSp new mod">
-        <pc:chgData name="한영진" userId="a5a0f9eb-bcd2-43e0-9aef-5cce23b321d2" providerId="ADAL" clId="{96244DD1-8A16-462E-A6AD-CD171567D77B}" dt="2021-10-26T10:12:52.421" v="2264" actId="14100"/>
+        <pc:chgData name="한영진" userId="a5a0f9eb-bcd2-43e0-9aef-5cce23b321d2" providerId="ADAL" clId="{96244DD1-8A16-462E-A6AD-CD171567D77B}" dt="2021-10-28T08:54:10.370" v="3623" actId="14100"/>
         <pc:sldMkLst>
           <pc:docMk/>
           <pc:sldMk cId="1897572992" sldId="258"/>
         </pc:sldMkLst>
         <pc:spChg chg="add mod">
-          <ac:chgData name="한영진" userId="a5a0f9eb-bcd2-43e0-9aef-5cce23b321d2" providerId="ADAL" clId="{96244DD1-8A16-462E-A6AD-CD171567D77B}" dt="2021-10-26T10:12:52.421" v="2264" actId="14100"/>
+          <ac:chgData name="한영진" userId="a5a0f9eb-bcd2-43e0-9aef-5cce23b321d2" providerId="ADAL" clId="{96244DD1-8A16-462E-A6AD-CD171567D77B}" dt="2021-10-28T08:54:10.370" v="3623" actId="14100"/>
           <ac:spMkLst>
             <pc:docMk/>
             <pc:sldMk cId="1897572992" sldId="258"/>
             <ac:spMk id="3" creationId="{A56ADC94-A5DC-4968-B6A2-7607EF9D827C}"/>
+          </ac:spMkLst>
+        </pc:spChg>
+      </pc:sldChg>
+      <pc:sldChg chg="addSp modSp new mod">
+        <pc:chgData name="한영진" userId="a5a0f9eb-bcd2-43e0-9aef-5cce23b321d2" providerId="ADAL" clId="{96244DD1-8A16-462E-A6AD-CD171567D77B}" dt="2021-10-28T08:57:25.664" v="3900" actId="20577"/>
+        <pc:sldMkLst>
+          <pc:docMk/>
+          <pc:sldMk cId="650100609" sldId="259"/>
+        </pc:sldMkLst>
+        <pc:spChg chg="add mod">
+          <ac:chgData name="한영진" userId="a5a0f9eb-bcd2-43e0-9aef-5cce23b321d2" providerId="ADAL" clId="{96244DD1-8A16-462E-A6AD-CD171567D77B}" dt="2021-10-28T08:57:25.664" v="3900" actId="20577"/>
+          <ac:spMkLst>
+            <pc:docMk/>
+            <pc:sldMk cId="650100609" sldId="259"/>
+            <ac:spMk id="3" creationId="{3F2BB039-8241-45CC-902C-FA1B598E0C9C}"/>
           </ac:spMkLst>
         </pc:spChg>
       </pc:sldChg>
@@ -360,7 +464,7 @@
           <a:p>
             <a:fld id="{55E61EE4-4C69-4CE0-A460-458FB0039D74}" type="datetimeFigureOut">
               <a:rPr lang="ko-KR" altLang="en-US" smtClean="0"/>
-              <a:t>2021-10-26</a:t>
+              <a:t>2021-10-28</a:t>
             </a:fld>
             <a:endParaRPr lang="ko-KR" altLang="en-US"/>
           </a:p>
@@ -558,7 +662,7 @@
           <a:p>
             <a:fld id="{55E61EE4-4C69-4CE0-A460-458FB0039D74}" type="datetimeFigureOut">
               <a:rPr lang="ko-KR" altLang="en-US" smtClean="0"/>
-              <a:t>2021-10-26</a:t>
+              <a:t>2021-10-28</a:t>
             </a:fld>
             <a:endParaRPr lang="ko-KR" altLang="en-US"/>
           </a:p>
@@ -766,7 +870,7 @@
           <a:p>
             <a:fld id="{55E61EE4-4C69-4CE0-A460-458FB0039D74}" type="datetimeFigureOut">
               <a:rPr lang="ko-KR" altLang="en-US" smtClean="0"/>
-              <a:t>2021-10-26</a:t>
+              <a:t>2021-10-28</a:t>
             </a:fld>
             <a:endParaRPr lang="ko-KR" altLang="en-US"/>
           </a:p>
@@ -964,7 +1068,7 @@
           <a:p>
             <a:fld id="{55E61EE4-4C69-4CE0-A460-458FB0039D74}" type="datetimeFigureOut">
               <a:rPr lang="ko-KR" altLang="en-US" smtClean="0"/>
-              <a:t>2021-10-26</a:t>
+              <a:t>2021-10-28</a:t>
             </a:fld>
             <a:endParaRPr lang="ko-KR" altLang="en-US"/>
           </a:p>
@@ -1239,7 +1343,7 @@
           <a:p>
             <a:fld id="{55E61EE4-4C69-4CE0-A460-458FB0039D74}" type="datetimeFigureOut">
               <a:rPr lang="ko-KR" altLang="en-US" smtClean="0"/>
-              <a:t>2021-10-26</a:t>
+              <a:t>2021-10-28</a:t>
             </a:fld>
             <a:endParaRPr lang="ko-KR" altLang="en-US"/>
           </a:p>
@@ -1504,7 +1608,7 @@
           <a:p>
             <a:fld id="{55E61EE4-4C69-4CE0-A460-458FB0039D74}" type="datetimeFigureOut">
               <a:rPr lang="ko-KR" altLang="en-US" smtClean="0"/>
-              <a:t>2021-10-26</a:t>
+              <a:t>2021-10-28</a:t>
             </a:fld>
             <a:endParaRPr lang="ko-KR" altLang="en-US"/>
           </a:p>
@@ -1916,7 +2020,7 @@
           <a:p>
             <a:fld id="{55E61EE4-4C69-4CE0-A460-458FB0039D74}" type="datetimeFigureOut">
               <a:rPr lang="ko-KR" altLang="en-US" smtClean="0"/>
-              <a:t>2021-10-26</a:t>
+              <a:t>2021-10-28</a:t>
             </a:fld>
             <a:endParaRPr lang="ko-KR" altLang="en-US"/>
           </a:p>
@@ -2057,7 +2161,7 @@
           <a:p>
             <a:fld id="{55E61EE4-4C69-4CE0-A460-458FB0039D74}" type="datetimeFigureOut">
               <a:rPr lang="ko-KR" altLang="en-US" smtClean="0"/>
-              <a:t>2021-10-26</a:t>
+              <a:t>2021-10-28</a:t>
             </a:fld>
             <a:endParaRPr lang="ko-KR" altLang="en-US"/>
           </a:p>
@@ -2170,7 +2274,7 @@
           <a:p>
             <a:fld id="{55E61EE4-4C69-4CE0-A460-458FB0039D74}" type="datetimeFigureOut">
               <a:rPr lang="ko-KR" altLang="en-US" smtClean="0"/>
-              <a:t>2021-10-26</a:t>
+              <a:t>2021-10-28</a:t>
             </a:fld>
             <a:endParaRPr lang="ko-KR" altLang="en-US"/>
           </a:p>
@@ -2481,7 +2585,7 @@
           <a:p>
             <a:fld id="{55E61EE4-4C69-4CE0-A460-458FB0039D74}" type="datetimeFigureOut">
               <a:rPr lang="ko-KR" altLang="en-US" smtClean="0"/>
-              <a:t>2021-10-26</a:t>
+              <a:t>2021-10-28</a:t>
             </a:fld>
             <a:endParaRPr lang="ko-KR" altLang="en-US"/>
           </a:p>
@@ -2769,7 +2873,7 @@
           <a:p>
             <a:fld id="{55E61EE4-4C69-4CE0-A460-458FB0039D74}" type="datetimeFigureOut">
               <a:rPr lang="ko-KR" altLang="en-US" smtClean="0"/>
-              <a:t>2021-10-26</a:t>
+              <a:t>2021-10-28</a:t>
             </a:fld>
             <a:endParaRPr lang="ko-KR" altLang="en-US"/>
           </a:p>
@@ -3010,7 +3114,7 @@
           <a:p>
             <a:fld id="{55E61EE4-4C69-4CE0-A460-458FB0039D74}" type="datetimeFigureOut">
               <a:rPr lang="ko-KR" altLang="en-US" smtClean="0"/>
-              <a:t>2021-10-26</a:t>
+              <a:t>2021-10-28</a:t>
             </a:fld>
             <a:endParaRPr lang="ko-KR" altLang="en-US"/>
           </a:p>
@@ -3429,10 +3533,10 @@
       </p:grpSpPr>
       <p:pic>
         <p:nvPicPr>
-          <p:cNvPr id="3" name="그림 2">
-            <a:extLst>
-              <a:ext uri="{FF2B5EF4-FFF2-40B4-BE49-F238E27FC236}">
-                <a16:creationId xmlns:a16="http://schemas.microsoft.com/office/drawing/2014/main" id="{7A6B1F6A-5714-487C-85B9-EEAFC3058A8D}"/>
+          <p:cNvPr id="18" name="그림 17">
+            <a:extLst>
+              <a:ext uri="{FF2B5EF4-FFF2-40B4-BE49-F238E27FC236}">
+                <a16:creationId xmlns:a16="http://schemas.microsoft.com/office/drawing/2014/main" id="{70D44BE3-2D20-4E25-91B4-962A50F27ECD}"/>
               </a:ext>
             </a:extLst>
           </p:cNvPr>
@@ -3449,8 +3553,8 @@
         </p:blipFill>
         <p:spPr>
           <a:xfrm>
-            <a:off x="2028825" y="457200"/>
-            <a:ext cx="8134350" cy="5943600"/>
+            <a:off x="370764" y="-31574"/>
+            <a:ext cx="11450472" cy="6889574"/>
           </a:xfrm>
           <a:prstGeom prst="rect">
             <a:avLst/>
@@ -3506,12 +3610,12 @@
         <p:spPr>
           <a:xfrm>
             <a:off x="331304" y="344556"/>
-            <a:ext cx="11622157" cy="6162261"/>
+            <a:ext cx="11718734" cy="6406973"/>
           </a:xfrm>
         </p:spPr>
         <p:txBody>
           <a:bodyPr numCol="2">
-            <a:normAutofit fontScale="55000" lnSpcReduction="20000"/>
+            <a:normAutofit fontScale="47500" lnSpcReduction="20000"/>
           </a:bodyPr>
           <a:lstStyle/>
           <a:p>
@@ -3547,7 +3651,7 @@
                   <a:srgbClr val="FF0000"/>
                 </a:solidFill>
               </a:rPr>
-              <a:t>학번</a:t>
+              <a:t>학생번호</a:t>
             </a:r>
             <a:r>
               <a:rPr lang="en-US" altLang="ko-KR" dirty="0">
@@ -3559,7 +3663,7 @@
             </a:r>
             <a:r>
               <a:rPr lang="en-US" altLang="ko-KR" dirty="0"/>
-              <a:t>, password(?), </a:t>
+              <a:t>, </a:t>
             </a:r>
             <a:r>
               <a:rPr lang="en-US" altLang="ko-KR" dirty="0" err="1"/>
@@ -3575,7 +3679,7 @@
             </a:r>
             <a:r>
               <a:rPr lang="en-US" altLang="ko-KR" dirty="0"/>
-              <a:t>), email, grade, GPA, status(</a:t>
+              <a:t>), email, status(</a:t>
             </a:r>
             <a:r>
               <a:rPr lang="ko-KR" altLang="en-US" dirty="0"/>
@@ -3659,24 +3763,6 @@
             </a:pPr>
             <a:r>
               <a:rPr lang="en-US" altLang="ko-KR" dirty="0"/>
-              <a:t>	grade int NOT NULL,</a:t>
-            </a:r>
-          </a:p>
-          <a:p>
-            <a:pPr marL="0" indent="0">
-              <a:buNone/>
-            </a:pPr>
-            <a:r>
-              <a:rPr lang="en-US" altLang="ko-KR" dirty="0"/>
-              <a:t>	GPA float NOT NULL,</a:t>
-            </a:r>
-          </a:p>
-          <a:p>
-            <a:pPr marL="0" indent="0">
-              <a:buNone/>
-            </a:pPr>
-            <a:r>
-              <a:rPr lang="en-US" altLang="ko-KR" dirty="0"/>
               <a:t>	status varchar NOT NULL,</a:t>
             </a:r>
           </a:p>
@@ -3687,6 +3773,289 @@
             <a:r>
               <a:rPr lang="en-US" altLang="ko-KR" dirty="0"/>
               <a:t>	);</a:t>
+            </a:r>
+          </a:p>
+          <a:p>
+            <a:pPr marL="0" indent="0">
+              <a:buNone/>
+            </a:pPr>
+            <a:endParaRPr lang="en-US" altLang="ko-KR" dirty="0"/>
+          </a:p>
+          <a:p>
+            <a:r>
+              <a:rPr lang="ko-KR" altLang="en-US" dirty="0"/>
+              <a:t>학생 이미지 테이블</a:t>
+            </a:r>
+            <a:endParaRPr lang="en-US" altLang="ko-KR" dirty="0"/>
+          </a:p>
+          <a:p>
+            <a:pPr marL="0" indent="0">
+              <a:buNone/>
+            </a:pPr>
+            <a:r>
+              <a:rPr lang="en-US" altLang="ko-KR" dirty="0">
+                <a:solidFill>
+                  <a:srgbClr val="FF0000"/>
+                </a:solidFill>
+              </a:rPr>
+              <a:t>Sid(</a:t>
+            </a:r>
+            <a:r>
+              <a:rPr lang="ko-KR" altLang="en-US" dirty="0">
+                <a:solidFill>
+                  <a:srgbClr val="FF0000"/>
+                </a:solidFill>
+              </a:rPr>
+              <a:t>학생번호</a:t>
+            </a:r>
+            <a:r>
+              <a:rPr lang="en-US" altLang="ko-KR" dirty="0">
+                <a:solidFill>
+                  <a:srgbClr val="FF0000"/>
+                </a:solidFill>
+              </a:rPr>
+              <a:t>, FK), </a:t>
+            </a:r>
+            <a:r>
+              <a:rPr lang="en-US" altLang="ko-KR" dirty="0" err="1">
+                <a:solidFill>
+                  <a:srgbClr val="FF0000"/>
+                </a:solidFill>
+              </a:rPr>
+              <a:t>url</a:t>
+            </a:r>
+            <a:endParaRPr lang="en-US" altLang="ko-KR" dirty="0">
+              <a:solidFill>
+                <a:srgbClr val="FF0000"/>
+              </a:solidFill>
+            </a:endParaRPr>
+          </a:p>
+          <a:p>
+            <a:pPr marL="0" indent="0">
+              <a:buNone/>
+            </a:pPr>
+            <a:endParaRPr lang="en-US" altLang="ko-KR" dirty="0"/>
+          </a:p>
+          <a:p>
+            <a:pPr marL="0" indent="0">
+              <a:buNone/>
+            </a:pPr>
+            <a:r>
+              <a:rPr lang="en-US" altLang="ko-KR" dirty="0"/>
+              <a:t>CREATE TABLE </a:t>
+            </a:r>
+            <a:r>
+              <a:rPr lang="en-US" altLang="ko-KR" dirty="0" err="1"/>
+              <a:t>StudentImages</a:t>
+            </a:r>
+            <a:r>
+              <a:rPr lang="en-US" altLang="ko-KR" dirty="0"/>
+              <a:t> {</a:t>
+            </a:r>
+          </a:p>
+          <a:p>
+            <a:pPr marL="0" indent="0">
+              <a:buNone/>
+            </a:pPr>
+            <a:r>
+              <a:rPr lang="en-US" altLang="ko-KR" dirty="0"/>
+              <a:t>	</a:t>
+            </a:r>
+            <a:r>
+              <a:rPr lang="en-US" altLang="ko-KR" dirty="0" err="1"/>
+              <a:t>sid</a:t>
+            </a:r>
+            <a:r>
+              <a:rPr lang="en-US" altLang="ko-KR" dirty="0"/>
+              <a:t> int NOT NULL FOREIGN KEY REFERENCES Students(</a:t>
+            </a:r>
+            <a:r>
+              <a:rPr lang="en-US" altLang="ko-KR" dirty="0" err="1"/>
+              <a:t>sid</a:t>
+            </a:r>
+            <a:r>
+              <a:rPr lang="en-US" altLang="ko-KR" dirty="0"/>
+              <a:t>),</a:t>
+            </a:r>
+          </a:p>
+          <a:p>
+            <a:pPr marL="0" indent="0">
+              <a:buNone/>
+            </a:pPr>
+            <a:r>
+              <a:rPr lang="en-US" altLang="ko-KR" dirty="0"/>
+              <a:t>	</a:t>
+            </a:r>
+            <a:r>
+              <a:rPr lang="en-US" altLang="ko-KR" dirty="0" err="1"/>
+              <a:t>url</a:t>
+            </a:r>
+            <a:r>
+              <a:rPr lang="en-US" altLang="ko-KR" dirty="0"/>
+              <a:t> varchar NOT NULL</a:t>
+            </a:r>
+          </a:p>
+          <a:p>
+            <a:pPr marL="0" indent="0">
+              <a:buNone/>
+            </a:pPr>
+            <a:r>
+              <a:rPr lang="en-US" altLang="ko-KR" dirty="0"/>
+              <a:t>	PRIMARY KEY (</a:t>
+            </a:r>
+            <a:r>
+              <a:rPr lang="en-US" altLang="ko-KR" dirty="0" err="1"/>
+              <a:t>sid</a:t>
+            </a:r>
+            <a:r>
+              <a:rPr lang="en-US" altLang="ko-KR" dirty="0"/>
+              <a:t>, </a:t>
+            </a:r>
+            <a:r>
+              <a:rPr lang="en-US" altLang="ko-KR" dirty="0" err="1"/>
+              <a:t>url</a:t>
+            </a:r>
+            <a:r>
+              <a:rPr lang="en-US" altLang="ko-KR" dirty="0"/>
+              <a:t>)</a:t>
+            </a:r>
+          </a:p>
+          <a:p>
+            <a:pPr marL="0" indent="0">
+              <a:buNone/>
+            </a:pPr>
+            <a:r>
+              <a:rPr lang="en-US" altLang="ko-KR" dirty="0"/>
+              <a:t>);</a:t>
+            </a:r>
+          </a:p>
+          <a:p>
+            <a:pPr marL="0" indent="0">
+              <a:buNone/>
+            </a:pPr>
+            <a:endParaRPr lang="en-US" altLang="ko-KR" dirty="0"/>
+          </a:p>
+          <a:p>
+            <a:r>
+              <a:rPr lang="ko-KR" altLang="en-US" dirty="0"/>
+              <a:t>위치 테이블</a:t>
+            </a:r>
+            <a:endParaRPr lang="en-US" altLang="ko-KR" dirty="0"/>
+          </a:p>
+          <a:p>
+            <a:pPr marL="0" indent="0">
+              <a:buNone/>
+            </a:pPr>
+            <a:r>
+              <a:rPr lang="en-US" altLang="ko-KR" dirty="0">
+                <a:solidFill>
+                  <a:srgbClr val="FF0000"/>
+                </a:solidFill>
+              </a:rPr>
+              <a:t>Lid(</a:t>
+            </a:r>
+            <a:r>
+              <a:rPr lang="ko-KR" altLang="en-US" dirty="0">
+                <a:solidFill>
+                  <a:srgbClr val="FF0000"/>
+                </a:solidFill>
+              </a:rPr>
+              <a:t>위치번호</a:t>
+            </a:r>
+            <a:r>
+              <a:rPr lang="en-US" altLang="ko-KR" dirty="0">
+                <a:solidFill>
+                  <a:srgbClr val="FF0000"/>
+                </a:solidFill>
+              </a:rPr>
+              <a:t>)</a:t>
+            </a:r>
+            <a:r>
+              <a:rPr lang="en-US" altLang="ko-KR" dirty="0"/>
+              <a:t>, first(</a:t>
+            </a:r>
+            <a:r>
+              <a:rPr lang="ko-KR" altLang="en-US" dirty="0"/>
+              <a:t>시</a:t>
+            </a:r>
+            <a:r>
+              <a:rPr lang="en-US" altLang="ko-KR" dirty="0"/>
+              <a:t>/</a:t>
+            </a:r>
+            <a:r>
+              <a:rPr lang="ko-KR" altLang="en-US" dirty="0"/>
+              <a:t>도</a:t>
+            </a:r>
+            <a:r>
+              <a:rPr lang="en-US" altLang="ko-KR" dirty="0"/>
+              <a:t>), second(</a:t>
+            </a:r>
+            <a:r>
+              <a:rPr lang="ko-KR" altLang="en-US" dirty="0"/>
+              <a:t>구</a:t>
+            </a:r>
+            <a:r>
+              <a:rPr lang="en-US" altLang="ko-KR" dirty="0"/>
+              <a:t>/</a:t>
+            </a:r>
+            <a:r>
+              <a:rPr lang="ko-KR" altLang="en-US" dirty="0"/>
+              <a:t>시</a:t>
+            </a:r>
+            <a:r>
+              <a:rPr lang="en-US" altLang="ko-KR" dirty="0"/>
+              <a:t>)</a:t>
+            </a:r>
+          </a:p>
+          <a:p>
+            <a:pPr marL="0" indent="0">
+              <a:buNone/>
+            </a:pPr>
+            <a:endParaRPr lang="en-US" altLang="ko-KR" dirty="0"/>
+          </a:p>
+          <a:p>
+            <a:pPr marL="0" indent="0">
+              <a:buNone/>
+            </a:pPr>
+            <a:r>
+              <a:rPr lang="en-US" altLang="ko-KR" dirty="0"/>
+              <a:t>CREATE TABLE Locations {</a:t>
+            </a:r>
+          </a:p>
+          <a:p>
+            <a:pPr marL="0" indent="0">
+              <a:buNone/>
+            </a:pPr>
+            <a:r>
+              <a:rPr lang="en-US" altLang="ko-KR" dirty="0"/>
+              <a:t>	lid int NOT NULL PRIMARY KEY,</a:t>
+            </a:r>
+          </a:p>
+          <a:p>
+            <a:pPr marL="0" indent="0">
+              <a:buNone/>
+            </a:pPr>
+            <a:r>
+              <a:rPr lang="en-US" altLang="ko-KR" dirty="0"/>
+              <a:t>	first varchar NOT NULL,</a:t>
+            </a:r>
+          </a:p>
+          <a:p>
+            <a:pPr marL="0" indent="0">
+              <a:buNone/>
+            </a:pPr>
+            <a:r>
+              <a:rPr lang="en-US" altLang="ko-KR" dirty="0"/>
+              <a:t>	second varchar NOT NULL</a:t>
+            </a:r>
+          </a:p>
+          <a:p>
+            <a:pPr marL="0" indent="0">
+              <a:buNone/>
+            </a:pPr>
+            <a:r>
+              <a:rPr lang="en-US" altLang="ko-KR" dirty="0"/>
+              <a:t>);</a:t>
             </a:r>
           </a:p>
           <a:p>
@@ -3756,7 +4125,7 @@
             </a:r>
             <a:r>
               <a:rPr lang="en-US" altLang="ko-KR" dirty="0"/>
-              <a:t>), location(</a:t>
+              <a:t>), lid(</a:t>
             </a:r>
             <a:r>
               <a:rPr lang="ko-KR" altLang="en-US" dirty="0"/>
@@ -3764,7 +4133,7 @@
             </a:r>
             <a:r>
               <a:rPr lang="en-US" altLang="ko-KR" dirty="0"/>
-              <a:t>), </a:t>
+              <a:t>id), </a:t>
             </a:r>
             <a:r>
               <a:rPr lang="en-US" altLang="ko-KR" dirty="0" err="1"/>
@@ -3876,7 +4245,7 @@
           <a:p>
             <a:r>
               <a:rPr lang="ko-KR" altLang="en-US" dirty="0"/>
-              <a:t>모집 테이블</a:t>
+              <a:t>기업 이미지 테이블</a:t>
             </a:r>
             <a:endParaRPr lang="en-US" altLang="ko-KR" dirty="0"/>
           </a:p>
@@ -3885,37 +4254,9 @@
               <a:buNone/>
             </a:pPr>
             <a:r>
-              <a:rPr lang="en-US" altLang="ko-KR" dirty="0">
+              <a:rPr lang="en-US" altLang="ko-KR" dirty="0" err="1">
                 <a:solidFill>
                   <a:srgbClr val="FF0000"/>
-                </a:solidFill>
-              </a:rPr>
-              <a:t>Rid(</a:t>
-            </a:r>
-            <a:r>
-              <a:rPr lang="ko-KR" altLang="en-US" dirty="0">
-                <a:solidFill>
-                  <a:srgbClr val="FF0000"/>
-                </a:solidFill>
-              </a:rPr>
-              <a:t>모집번호</a:t>
-            </a:r>
-            <a:r>
-              <a:rPr lang="en-US" altLang="ko-KR" dirty="0">
-                <a:solidFill>
-                  <a:srgbClr val="FF0000"/>
-                </a:solidFill>
-              </a:rPr>
-              <a:t>)</a:t>
-            </a:r>
-            <a:r>
-              <a:rPr lang="en-US" altLang="ko-KR" dirty="0"/>
-              <a:t>, </a:t>
-            </a:r>
-            <a:r>
-              <a:rPr lang="en-US" altLang="ko-KR" dirty="0" err="1">
-                <a:solidFill>
-                  <a:srgbClr val="0070C0"/>
                 </a:solidFill>
               </a:rPr>
               <a:t>cid</a:t>
@@ -3923,7 +4264,7 @@
             <a:r>
               <a:rPr lang="en-US" altLang="ko-KR" dirty="0">
                 <a:solidFill>
-                  <a:srgbClr val="0070C0"/>
+                  <a:srgbClr val="FF0000"/>
                 </a:solidFill>
               </a:rPr>
               <a:t>(</a:t>
@@ -3931,7 +4272,7 @@
             <a:r>
               <a:rPr lang="ko-KR" altLang="en-US" dirty="0">
                 <a:solidFill>
-                  <a:srgbClr val="0070C0"/>
+                  <a:srgbClr val="FF0000"/>
                 </a:solidFill>
               </a:rPr>
               <a:t>기업번호</a:t>
@@ -3939,91 +4280,46 @@
             <a:r>
               <a:rPr lang="en-US" altLang="ko-KR" dirty="0">
                 <a:solidFill>
-                  <a:srgbClr val="0070C0"/>
+                  <a:srgbClr val="FF0000"/>
                 </a:solidFill>
               </a:rPr>
-              <a:t>)</a:t>
-            </a:r>
-            <a:r>
-              <a:rPr lang="en-US" altLang="ko-KR" dirty="0"/>
-              <a:t>, position, location,</a:t>
-            </a:r>
-            <a:r>
-              <a:rPr lang="ko-KR" altLang="en-US" dirty="0"/>
-              <a:t> </a:t>
-            </a:r>
-            <a:r>
-              <a:rPr lang="en-US" altLang="ko-KR" dirty="0"/>
-              <a:t>payment,</a:t>
-            </a:r>
-            <a:r>
-              <a:rPr lang="ko-KR" altLang="en-US" dirty="0"/>
-              <a:t> </a:t>
+              <a:t>, FK), </a:t>
+            </a:r>
+            <a:r>
+              <a:rPr lang="en-US" altLang="ko-KR" dirty="0" err="1">
+                <a:solidFill>
+                  <a:srgbClr val="FF0000"/>
+                </a:solidFill>
+              </a:rPr>
+              <a:t>url</a:t>
+            </a:r>
+            <a:endParaRPr lang="en-US" altLang="ko-KR" dirty="0">
+              <a:solidFill>
+                <a:srgbClr val="FF0000"/>
+              </a:solidFill>
+            </a:endParaRPr>
+          </a:p>
+          <a:p>
+            <a:pPr marL="0" indent="0">
+              <a:buNone/>
+            </a:pPr>
+            <a:endParaRPr lang="en-US" altLang="ko-KR" dirty="0"/>
+          </a:p>
+          <a:p>
+            <a:pPr marL="0" indent="0">
+              <a:buNone/>
+            </a:pPr>
+            <a:r>
+              <a:rPr lang="en-US" altLang="ko-KR" dirty="0"/>
+              <a:t>CREATE TABLE </a:t>
             </a:r>
             <a:r>
               <a:rPr lang="en-US" altLang="ko-KR" dirty="0" err="1"/>
-              <a:t>start_date</a:t>
-            </a:r>
-            <a:r>
-              <a:rPr lang="en-US" altLang="ko-KR" dirty="0"/>
-              <a:t>,</a:t>
-            </a:r>
-            <a:r>
-              <a:rPr lang="ko-KR" altLang="en-US" dirty="0"/>
-              <a:t> </a:t>
-            </a:r>
-            <a:r>
-              <a:rPr lang="en-US" altLang="ko-KR" dirty="0" err="1"/>
-              <a:t>finish_date</a:t>
-            </a:r>
-            <a:r>
-              <a:rPr lang="en-US" altLang="ko-KR" dirty="0"/>
-              <a:t>, duration, </a:t>
-            </a:r>
-            <a:r>
-              <a:rPr lang="en-US" altLang="ko-KR" dirty="0" err="1"/>
-              <a:t>need_numbers</a:t>
-            </a:r>
-            <a:r>
-              <a:rPr lang="en-US" altLang="ko-KR" dirty="0"/>
-              <a:t>, </a:t>
-            </a:r>
-            <a:r>
-              <a:rPr lang="en-US" altLang="ko-KR" dirty="0" err="1"/>
-              <a:t>phone_num</a:t>
-            </a:r>
-            <a:r>
-              <a:rPr lang="en-US" altLang="ko-KR" dirty="0"/>
-              <a:t>, </a:t>
-            </a:r>
-            <a:r>
-              <a:rPr lang="en-US" altLang="ko-KR" dirty="0" err="1"/>
-              <a:t>due_date</a:t>
-            </a:r>
-            <a:endParaRPr lang="en-US" altLang="ko-KR" dirty="0"/>
-          </a:p>
-          <a:p>
-            <a:pPr marL="0" indent="0">
-              <a:buNone/>
-            </a:pPr>
-            <a:endParaRPr lang="en-US" altLang="ko-KR" dirty="0"/>
-          </a:p>
-          <a:p>
-            <a:pPr marL="0" indent="0">
-              <a:buNone/>
-            </a:pPr>
-            <a:r>
-              <a:rPr lang="en-US" altLang="ko-KR" dirty="0"/>
-              <a:t>CREATE TABLE Recruits (</a:t>
-            </a:r>
-          </a:p>
-          <a:p>
-            <a:pPr marL="0" indent="0">
-              <a:buNone/>
-            </a:pPr>
-            <a:r>
-              <a:rPr lang="en-US" altLang="ko-KR" dirty="0"/>
-              <a:t>	rid int NOT NULL PRIMARY KEY,</a:t>
+              <a:t>CompanyImages</a:t>
+            </a:r>
+            <a:r>
+              <a:rPr lang="en-US" altLang="ko-KR" dirty="0"/>
+              <a:t> {</a:t>
             </a:r>
           </a:p>
           <a:p>
@@ -4040,7 +4336,33 @@
             </a:r>
             <a:r>
               <a:rPr lang="en-US" altLang="ko-KR" dirty="0"/>
-              <a:t> int NOT NULL FOREIGN KEY REFERENCES Companies(</a:t>
+              <a:t> int NOT NULL FOREIGN KEY,</a:t>
+            </a:r>
+          </a:p>
+          <a:p>
+            <a:pPr marL="0" indent="0">
+              <a:buNone/>
+            </a:pPr>
+            <a:r>
+              <a:rPr lang="en-US" altLang="ko-KR" dirty="0"/>
+              <a:t>	</a:t>
+            </a:r>
+            <a:r>
+              <a:rPr lang="en-US" altLang="ko-KR" dirty="0" err="1"/>
+              <a:t>url</a:t>
+            </a:r>
+            <a:r>
+              <a:rPr lang="en-US" altLang="ko-KR" dirty="0"/>
+              <a:t> varchar NOT NULL</a:t>
+            </a:r>
+          </a:p>
+          <a:p>
+            <a:pPr marL="0" indent="0">
+              <a:buNone/>
+            </a:pPr>
+            <a:r>
+              <a:rPr lang="en-US" altLang="ko-KR" dirty="0"/>
+              <a:t>	PRIMARY KEY (</a:t>
             </a:r>
             <a:r>
               <a:rPr lang="en-US" altLang="ko-KR" dirty="0" err="1"/>
@@ -4048,136 +4370,15 @@
             </a:r>
             <a:r>
               <a:rPr lang="en-US" altLang="ko-KR" dirty="0"/>
-              <a:t>),</a:t>
-            </a:r>
-          </a:p>
-          <a:p>
-            <a:pPr marL="0" indent="0">
-              <a:buNone/>
-            </a:pPr>
-            <a:r>
-              <a:rPr lang="en-US" altLang="ko-KR" dirty="0"/>
-              <a:t>	position varchar NOT NULL,</a:t>
-            </a:r>
-          </a:p>
-          <a:p>
-            <a:pPr marL="0" indent="0">
-              <a:buNone/>
-            </a:pPr>
-            <a:r>
-              <a:rPr lang="en-US" altLang="ko-KR" dirty="0"/>
-              <a:t>	location varchar NOT NULL,</a:t>
-            </a:r>
-          </a:p>
-          <a:p>
-            <a:pPr marL="0" indent="0">
-              <a:buNone/>
-            </a:pPr>
-            <a:r>
-              <a:rPr lang="en-US" altLang="ko-KR" dirty="0"/>
-              <a:t>	</a:t>
-            </a:r>
-            <a:r>
-              <a:rPr lang="en-US" altLang="ko-KR"/>
-              <a:t>payment double </a:t>
-            </a:r>
-            <a:r>
-              <a:rPr lang="en-US" altLang="ko-KR" dirty="0"/>
-              <a:t>NOT NULL,</a:t>
-            </a:r>
-          </a:p>
-          <a:p>
-            <a:pPr marL="0" indent="0">
-              <a:buNone/>
-            </a:pPr>
-            <a:r>
-              <a:rPr lang="en-US" altLang="ko-KR" dirty="0"/>
-              <a:t>	</a:t>
+              <a:t>, </a:t>
             </a:r>
             <a:r>
               <a:rPr lang="en-US" altLang="ko-KR" dirty="0" err="1"/>
-              <a:t>start_date</a:t>
-            </a:r>
-            <a:r>
-              <a:rPr lang="en-US" altLang="ko-KR" dirty="0"/>
-              <a:t> date,</a:t>
-            </a:r>
-          </a:p>
-          <a:p>
-            <a:pPr marL="0" indent="0">
-              <a:buNone/>
-            </a:pPr>
-            <a:r>
-              <a:rPr lang="en-US" altLang="ko-KR" dirty="0"/>
-              <a:t>	</a:t>
-            </a:r>
-            <a:r>
-              <a:rPr lang="en-US" altLang="ko-KR" dirty="0" err="1"/>
-              <a:t>finish_date</a:t>
-            </a:r>
-            <a:r>
-              <a:rPr lang="en-US" altLang="ko-KR" dirty="0"/>
-              <a:t> date,</a:t>
-            </a:r>
-          </a:p>
-          <a:p>
-            <a:pPr marL="0" indent="0">
-              <a:buNone/>
-            </a:pPr>
-            <a:r>
-              <a:rPr lang="en-US" altLang="ko-KR" dirty="0"/>
-              <a:t>	duration int,</a:t>
-            </a:r>
-          </a:p>
-          <a:p>
-            <a:pPr marL="0" indent="0">
-              <a:buNone/>
-            </a:pPr>
-            <a:r>
-              <a:rPr lang="en-US" altLang="ko-KR" dirty="0"/>
-              <a:t>	</a:t>
-            </a:r>
-            <a:r>
-              <a:rPr lang="en-US" altLang="ko-KR" dirty="0" err="1"/>
-              <a:t>need_numbers</a:t>
-            </a:r>
-            <a:r>
-              <a:rPr lang="en-US" altLang="ko-KR" dirty="0"/>
-              <a:t> int,</a:t>
-            </a:r>
-          </a:p>
-          <a:p>
-            <a:pPr marL="0" indent="0">
-              <a:buNone/>
-            </a:pPr>
-            <a:r>
-              <a:rPr lang="en-US" altLang="ko-KR" dirty="0"/>
-              <a:t>	</a:t>
-            </a:r>
-            <a:r>
-              <a:rPr lang="en-US" altLang="ko-KR" dirty="0" err="1"/>
-              <a:t>phone_num</a:t>
-            </a:r>
-            <a:r>
-              <a:rPr lang="en-US" altLang="ko-KR" dirty="0"/>
-              <a:t> varchar,</a:t>
-            </a:r>
-          </a:p>
-          <a:p>
-            <a:pPr marL="0" indent="0">
-              <a:buNone/>
-            </a:pPr>
-            <a:r>
-              <a:rPr lang="en-US" altLang="ko-KR" dirty="0"/>
-              <a:t>	</a:t>
-            </a:r>
-            <a:r>
-              <a:rPr lang="en-US" altLang="ko-KR" dirty="0" err="1"/>
-              <a:t>due_date</a:t>
-            </a:r>
-            <a:r>
-              <a:rPr lang="en-US" altLang="ko-KR" dirty="0"/>
-              <a:t> date NOT NULL,</a:t>
+              <a:t>url</a:t>
+            </a:r>
+            <a:r>
+              <a:rPr lang="en-US" altLang="ko-KR" dirty="0"/>
+              <a:t>)</a:t>
             </a:r>
           </a:p>
           <a:p>
@@ -4235,8 +4436,8 @@
         </p:nvSpPr>
         <p:spPr>
           <a:xfrm>
-            <a:off x="450574" y="450573"/>
-            <a:ext cx="11290852" cy="6029739"/>
+            <a:off x="851770" y="626300"/>
+            <a:ext cx="10985326" cy="5937338"/>
           </a:xfrm>
           <a:prstGeom prst="rect">
             <a:avLst/>
@@ -4255,7 +4456,7 @@
             </a:pPr>
             <a:r>
               <a:rPr lang="ko-KR" altLang="en-US" dirty="0"/>
-              <a:t>지원 테이블</a:t>
+              <a:t>태그 테이블</a:t>
             </a:r>
             <a:endParaRPr lang="en-US" altLang="ko-KR" dirty="0"/>
           </a:p>
@@ -4264,12 +4465,20 @@
               <a:buNone/>
             </a:pPr>
             <a:r>
+              <a:rPr lang="en-US" altLang="ko-KR" dirty="0" err="1">
+                <a:solidFill>
+                  <a:srgbClr val="FF0000"/>
+                </a:solidFill>
+              </a:rPr>
+              <a:t>Tid</a:t>
+            </a:r>
+            <a:r>
               <a:rPr lang="en-US" altLang="ko-KR" dirty="0">
                 <a:solidFill>
                   <a:srgbClr val="FF0000"/>
                 </a:solidFill>
               </a:rPr>
-              <a:t>Aid(</a:t>
+              <a:t>(</a:t>
             </a:r>
             <a:r>
               <a:rPr lang="ko-KR" altLang="en-US" dirty="0">
@@ -4277,7 +4486,7 @@
                   <a:srgbClr val="FF0000"/>
                 </a:solidFill>
               </a:rPr>
-              <a:t>지원번호</a:t>
+              <a:t>태그번호</a:t>
             </a:r>
             <a:r>
               <a:rPr lang="en-US" altLang="ko-KR" dirty="0">
@@ -4292,57 +4501,24 @@
               <a:t>, </a:t>
             </a:r>
             <a:r>
-              <a:rPr lang="en-US" altLang="ko-KR" dirty="0" err="1">
-                <a:solidFill>
-                  <a:srgbClr val="0070C0"/>
-                </a:solidFill>
-              </a:rPr>
-              <a:t>sid</a:t>
-            </a:r>
-            <a:r>
-              <a:rPr lang="en-US" altLang="ko-KR" dirty="0"/>
-              <a:t>, </a:t>
-            </a:r>
-            <a:r>
-              <a:rPr lang="en-US" altLang="ko-KR" dirty="0">
-                <a:solidFill>
-                  <a:srgbClr val="0070C0"/>
-                </a:solidFill>
-              </a:rPr>
-              <a:t>rid</a:t>
-            </a:r>
-            <a:r>
-              <a:rPr lang="en-US" altLang="ko-KR" dirty="0"/>
-              <a:t>, status(</a:t>
-            </a:r>
-            <a:r>
-              <a:rPr lang="ko-KR" altLang="en-US" dirty="0"/>
-              <a:t>지원 상태</a:t>
-            </a:r>
-            <a:r>
-              <a:rPr lang="en-US" altLang="ko-KR" dirty="0"/>
-              <a:t>)</a:t>
-            </a:r>
-          </a:p>
-          <a:p>
-            <a:pPr marL="0" indent="0">
-              <a:buNone/>
-            </a:pPr>
+              <a:rPr lang="en-US" altLang="ko-KR" dirty="0" err="1"/>
+              <a:t>tname</a:t>
+            </a:r>
             <a:endParaRPr lang="en-US" altLang="ko-KR" dirty="0"/>
           </a:p>
           <a:p>
             <a:pPr marL="0" indent="0">
               <a:buNone/>
             </a:pPr>
-            <a:r>
-              <a:rPr lang="en-US" altLang="ko-KR" dirty="0"/>
-              <a:t>CREATE TABLE Applications (</a:t>
-            </a:r>
-          </a:p>
-          <a:p>
-            <a:r>
-              <a:rPr lang="en-US" altLang="ko-KR" dirty="0"/>
-              <a:t>	aid int NOT NULL PRIMARY KEY,</a:t>
+            <a:endParaRPr lang="en-US" altLang="ko-KR" dirty="0"/>
+          </a:p>
+          <a:p>
+            <a:pPr marL="0" indent="0">
+              <a:buNone/>
+            </a:pPr>
+            <a:r>
+              <a:rPr lang="en-US" altLang="ko-KR" dirty="0"/>
+              <a:t>CREATE TABLE Tags (</a:t>
             </a:r>
           </a:p>
           <a:p>
@@ -4355,37 +4531,20 @@
             </a:r>
             <a:r>
               <a:rPr lang="en-US" altLang="ko-KR" dirty="0" err="1"/>
-              <a:t>sid</a:t>
-            </a:r>
-            <a:r>
-              <a:rPr lang="en-US" altLang="ko-KR" dirty="0"/>
-              <a:t> int NOT NULL FOREIGN KEY REFERENCES Students(</a:t>
-            </a:r>
-            <a:r>
-              <a:rPr lang="en-US" altLang="ko-KR" dirty="0" err="1"/>
-              <a:t>sid</a:t>
-            </a:r>
-            <a:r>
-              <a:rPr lang="en-US" altLang="ko-KR" dirty="0"/>
-              <a:t>),</a:t>
-            </a:r>
-          </a:p>
-          <a:p>
-            <a:pPr marL="0" indent="0">
-              <a:buNone/>
-            </a:pPr>
-            <a:r>
-              <a:rPr lang="en-US" altLang="ko-KR" dirty="0"/>
-              <a:t>	rid int NOT NULL FOREIGN KEY REFERENCES Recruits(rid),</a:t>
-            </a:r>
-          </a:p>
-          <a:p>
-            <a:pPr marL="0" indent="0">
-              <a:buNone/>
-            </a:pPr>
-            <a:r>
-              <a:rPr lang="en-US" altLang="ko-KR" dirty="0"/>
-              <a:t>	status varchar NOT NULL</a:t>
+              <a:t>tid</a:t>
+            </a:r>
+            <a:r>
+              <a:rPr lang="en-US" altLang="ko-KR" dirty="0"/>
+              <a:t> int NOT NULL PRIMARY KEY,</a:t>
+            </a:r>
+          </a:p>
+          <a:p>
+            <a:pPr marL="0" indent="0">
+              <a:buNone/>
+            </a:pPr>
+            <a:r>
+              <a:rPr lang="en-US" altLang="ko-KR" dirty="0"/>
+              <a:t>	tname1 varchar NOT NULL,</a:t>
             </a:r>
           </a:p>
           <a:p>
@@ -4398,9 +4557,6 @@
             </a:r>
           </a:p>
           <a:p>
-            <a:pPr marL="0" indent="0">
-              <a:buNone/>
-            </a:pPr>
             <a:endParaRPr lang="en-US" altLang="ko-KR" dirty="0"/>
           </a:p>
           <a:p>
@@ -4410,7 +4566,7 @@
             </a:pPr>
             <a:r>
               <a:rPr lang="ko-KR" altLang="en-US" dirty="0"/>
-              <a:t>스크랩 테이블</a:t>
+              <a:t>모집 테이블</a:t>
             </a:r>
             <a:endParaRPr lang="en-US" altLang="ko-KR" dirty="0"/>
           </a:p>
@@ -4419,17 +4575,45 @@
               <a:buNone/>
             </a:pPr>
             <a:r>
+              <a:rPr lang="en-US" altLang="ko-KR" dirty="0">
+                <a:solidFill>
+                  <a:srgbClr val="FF0000"/>
+                </a:solidFill>
+              </a:rPr>
+              <a:t>Rid(</a:t>
+            </a:r>
+            <a:r>
+              <a:rPr lang="ko-KR" altLang="en-US" dirty="0">
+                <a:solidFill>
+                  <a:srgbClr val="FF0000"/>
+                </a:solidFill>
+              </a:rPr>
+              <a:t>모집번호</a:t>
+            </a:r>
+            <a:r>
+              <a:rPr lang="en-US" altLang="ko-KR" dirty="0">
+                <a:solidFill>
+                  <a:srgbClr val="FF0000"/>
+                </a:solidFill>
+              </a:rPr>
+              <a:t>)</a:t>
+            </a:r>
+            <a:r>
+              <a:rPr lang="en-US" altLang="ko-KR" dirty="0"/>
+              <a:t>, </a:t>
+            </a:r>
+            <a:r>
               <a:rPr lang="en-US" altLang="ko-KR" dirty="0" err="1">
                 <a:solidFill>
-                  <a:srgbClr val="FF0000"/>
+                  <a:srgbClr val="0070C0"/>
                 </a:solidFill>
               </a:rPr>
-              <a:t>Scrap_id</a:t>
+              <a:t>cid</a:t>
             </a:r>
             <a:r>
               <a:rPr lang="en-US" altLang="ko-KR" dirty="0">
                 <a:solidFill>
-                  <a:srgbClr val="FF0000"/>
+                  <a:srgbClr val="0070C0"/>
                 </a:solidFill>
               </a:rPr>
               <a:t>(</a:t>
@@ -4437,55 +4621,333 @@
             <a:r>
               <a:rPr lang="ko-KR" altLang="en-US" dirty="0">
                 <a:solidFill>
-                  <a:srgbClr val="FF0000"/>
+                  <a:srgbClr val="0070C0"/>
                 </a:solidFill>
               </a:rPr>
-              <a:t>스크랩번호</a:t>
+              <a:t>기업번호</a:t>
             </a:r>
             <a:r>
               <a:rPr lang="en-US" altLang="ko-KR" dirty="0">
                 <a:solidFill>
-                  <a:srgbClr val="FF0000"/>
+                  <a:srgbClr val="0070C0"/>
                 </a:solidFill>
               </a:rPr>
               <a:t>)</a:t>
             </a:r>
             <a:r>
               <a:rPr lang="en-US" altLang="ko-KR" dirty="0"/>
+              <a:t>, position, </a:t>
+            </a:r>
+            <a:r>
+              <a:rPr lang="en-US" altLang="ko-KR" dirty="0">
+                <a:solidFill>
+                  <a:srgbClr val="0070C0"/>
+                </a:solidFill>
+              </a:rPr>
+              <a:t>lid(</a:t>
+            </a:r>
+            <a:r>
+              <a:rPr lang="ko-KR" altLang="en-US" dirty="0">
+                <a:solidFill>
+                  <a:srgbClr val="0070C0"/>
+                </a:solidFill>
+              </a:rPr>
+              <a:t>위치번호</a:t>
+            </a:r>
+            <a:r>
+              <a:rPr lang="en-US" altLang="ko-KR" dirty="0">
+                <a:solidFill>
+                  <a:srgbClr val="0070C0"/>
+                </a:solidFill>
+              </a:rPr>
+              <a:t>)</a:t>
+            </a:r>
+            <a:r>
+              <a:rPr lang="en-US" altLang="ko-KR" dirty="0"/>
+              <a:t>,</a:t>
+            </a:r>
+            <a:r>
+              <a:rPr lang="ko-KR" altLang="en-US" dirty="0"/>
+              <a:t> </a:t>
+            </a:r>
+            <a:r>
+              <a:rPr lang="en-US" altLang="ko-KR" dirty="0"/>
+              <a:t>payment,</a:t>
+            </a:r>
+            <a:r>
+              <a:rPr lang="ko-KR" altLang="en-US" dirty="0"/>
+              <a:t> </a:t>
+            </a:r>
+            <a:r>
+              <a:rPr lang="en-US" altLang="ko-KR" dirty="0" err="1"/>
+              <a:t>start_date</a:t>
+            </a:r>
+            <a:r>
+              <a:rPr lang="en-US" altLang="ko-KR" dirty="0"/>
+              <a:t>,</a:t>
+            </a:r>
+            <a:r>
+              <a:rPr lang="ko-KR" altLang="en-US" dirty="0"/>
+              <a:t> </a:t>
+            </a:r>
+            <a:r>
+              <a:rPr lang="en-US" altLang="ko-KR" dirty="0" err="1"/>
+              <a:t>finish_date</a:t>
+            </a:r>
+            <a:r>
+              <a:rPr lang="en-US" altLang="ko-KR" dirty="0"/>
+              <a:t>, duration, </a:t>
+            </a:r>
+            <a:r>
+              <a:rPr lang="en-US" altLang="ko-KR" dirty="0" err="1"/>
+              <a:t>need_numbers</a:t>
+            </a:r>
+            <a:r>
+              <a:rPr lang="en-US" altLang="ko-KR" dirty="0"/>
               <a:t>, </a:t>
             </a:r>
             <a:r>
+              <a:rPr lang="en-US" altLang="ko-KR" dirty="0" err="1"/>
+              <a:t>phone_num</a:t>
+            </a:r>
+            <a:r>
+              <a:rPr lang="en-US" altLang="ko-KR" dirty="0"/>
+              <a:t>, </a:t>
+            </a:r>
+            <a:r>
+              <a:rPr lang="en-US" altLang="ko-KR" dirty="0" err="1"/>
+              <a:t>due_date</a:t>
+            </a:r>
+            <a:endParaRPr lang="en-US" altLang="ko-KR" dirty="0"/>
+          </a:p>
+          <a:p>
+            <a:pPr marL="0" indent="0">
+              <a:buNone/>
+            </a:pPr>
+            <a:endParaRPr lang="en-US" altLang="ko-KR" dirty="0"/>
+          </a:p>
+          <a:p>
+            <a:pPr marL="0" indent="0">
+              <a:buNone/>
+            </a:pPr>
+            <a:r>
+              <a:rPr lang="en-US" altLang="ko-KR" dirty="0"/>
+              <a:t>CREATE TABLE Recruits (</a:t>
+            </a:r>
+          </a:p>
+          <a:p>
+            <a:pPr marL="0" indent="0">
+              <a:buNone/>
+            </a:pPr>
+            <a:r>
+              <a:rPr lang="en-US" altLang="ko-KR" dirty="0"/>
+              <a:t>	rid int NOT NULL PRIMARY KEY,</a:t>
+            </a:r>
+          </a:p>
+          <a:p>
+            <a:pPr marL="0" indent="0">
+              <a:buNone/>
+            </a:pPr>
+            <a:r>
+              <a:rPr lang="en-US" altLang="ko-KR" dirty="0"/>
+              <a:t>	</a:t>
+            </a:r>
+            <a:r>
+              <a:rPr lang="en-US" altLang="ko-KR" dirty="0" err="1"/>
+              <a:t>cid</a:t>
+            </a:r>
+            <a:r>
+              <a:rPr lang="en-US" altLang="ko-KR" dirty="0"/>
+              <a:t> int NOT NULL FOREIGN KEY REFERENCES Companies(</a:t>
+            </a:r>
+            <a:r>
+              <a:rPr lang="en-US" altLang="ko-KR" dirty="0" err="1"/>
+              <a:t>cid</a:t>
+            </a:r>
+            <a:r>
+              <a:rPr lang="en-US" altLang="ko-KR" dirty="0"/>
+              <a:t>),</a:t>
+            </a:r>
+          </a:p>
+          <a:p>
+            <a:pPr marL="0" indent="0">
+              <a:buNone/>
+            </a:pPr>
+            <a:r>
+              <a:rPr lang="en-US" altLang="ko-KR" dirty="0"/>
+              <a:t>	position varchar NOT NULL,</a:t>
+            </a:r>
+          </a:p>
+          <a:p>
+            <a:pPr marL="0" indent="0">
+              <a:buNone/>
+            </a:pPr>
+            <a:r>
+              <a:rPr lang="en-US" altLang="ko-KR" dirty="0"/>
+              <a:t>	location varchar NOT NULL,</a:t>
+            </a:r>
+          </a:p>
+          <a:p>
+            <a:pPr marL="0" indent="0">
+              <a:buNone/>
+            </a:pPr>
+            <a:r>
+              <a:rPr lang="en-US" altLang="ko-KR" dirty="0"/>
+              <a:t>	payment double NOT NULL,</a:t>
+            </a:r>
+          </a:p>
+          <a:p>
+            <a:pPr marL="0" indent="0">
+              <a:buNone/>
+            </a:pPr>
+            <a:r>
+              <a:rPr lang="en-US" altLang="ko-KR" dirty="0"/>
+              <a:t>	</a:t>
+            </a:r>
+            <a:r>
+              <a:rPr lang="en-US" altLang="ko-KR" dirty="0" err="1"/>
+              <a:t>start_date</a:t>
+            </a:r>
+            <a:r>
+              <a:rPr lang="en-US" altLang="ko-KR" dirty="0"/>
+              <a:t> date,</a:t>
+            </a:r>
+          </a:p>
+          <a:p>
+            <a:pPr marL="0" indent="0">
+              <a:buNone/>
+            </a:pPr>
+            <a:r>
+              <a:rPr lang="en-US" altLang="ko-KR" dirty="0"/>
+              <a:t>	</a:t>
+            </a:r>
+            <a:r>
+              <a:rPr lang="en-US" altLang="ko-KR" dirty="0" err="1"/>
+              <a:t>finish_date</a:t>
+            </a:r>
+            <a:r>
+              <a:rPr lang="en-US" altLang="ko-KR" dirty="0"/>
+              <a:t> date,</a:t>
+            </a:r>
+          </a:p>
+          <a:p>
+            <a:pPr marL="0" indent="0">
+              <a:buNone/>
+            </a:pPr>
+            <a:r>
+              <a:rPr lang="en-US" altLang="ko-KR" dirty="0"/>
+              <a:t>	duration int,</a:t>
+            </a:r>
+          </a:p>
+          <a:p>
+            <a:pPr marL="0" indent="0">
+              <a:buNone/>
+            </a:pPr>
+            <a:r>
+              <a:rPr lang="en-US" altLang="ko-KR" dirty="0"/>
+              <a:t>	</a:t>
+            </a:r>
+            <a:r>
+              <a:rPr lang="en-US" altLang="ko-KR" dirty="0" err="1"/>
+              <a:t>need_numbers</a:t>
+            </a:r>
+            <a:r>
+              <a:rPr lang="en-US" altLang="ko-KR" dirty="0"/>
+              <a:t> int,</a:t>
+            </a:r>
+          </a:p>
+          <a:p>
+            <a:pPr marL="0" indent="0">
+              <a:buNone/>
+            </a:pPr>
+            <a:r>
+              <a:rPr lang="en-US" altLang="ko-KR" dirty="0"/>
+              <a:t>	</a:t>
+            </a:r>
+            <a:r>
+              <a:rPr lang="en-US" altLang="ko-KR" dirty="0" err="1"/>
+              <a:t>phone_num</a:t>
+            </a:r>
+            <a:r>
+              <a:rPr lang="en-US" altLang="ko-KR" dirty="0"/>
+              <a:t> varchar,</a:t>
+            </a:r>
+          </a:p>
+          <a:p>
+            <a:pPr marL="0" indent="0">
+              <a:buNone/>
+            </a:pPr>
+            <a:r>
+              <a:rPr lang="en-US" altLang="ko-KR" dirty="0"/>
+              <a:t>	</a:t>
+            </a:r>
+            <a:r>
+              <a:rPr lang="en-US" altLang="ko-KR" dirty="0" err="1"/>
+              <a:t>due_date</a:t>
+            </a:r>
+            <a:r>
+              <a:rPr lang="en-US" altLang="ko-KR" dirty="0"/>
+              <a:t> date NOT NULL,</a:t>
+            </a:r>
+          </a:p>
+          <a:p>
+            <a:pPr marL="0" indent="0">
+              <a:buNone/>
+            </a:pPr>
+            <a:r>
+              <a:rPr lang="en-US" altLang="ko-KR" dirty="0"/>
+              <a:t>);</a:t>
+            </a:r>
+          </a:p>
+          <a:p>
+            <a:pPr marL="0" indent="0">
+              <a:buNone/>
+            </a:pPr>
+            <a:endParaRPr lang="en-US" altLang="ko-KR" dirty="0"/>
+          </a:p>
+          <a:p>
+            <a:pPr marL="285750" indent="-285750">
+              <a:buFont typeface="Arial" panose="020B0604020202020204" pitchFamily="34" charset="0"/>
+              <a:buChar char="•"/>
+            </a:pPr>
+            <a:r>
+              <a:rPr lang="ko-KR" altLang="en-US" dirty="0"/>
+              <a:t>인턴십 모집공고 태그 테이블</a:t>
+            </a:r>
+            <a:endParaRPr lang="en-US" altLang="ko-KR" dirty="0"/>
+          </a:p>
+          <a:p>
+            <a:r>
               <a:rPr lang="en-US" altLang="ko-KR" dirty="0" err="1">
                 <a:solidFill>
+                  <a:srgbClr val="FF0000"/>
+                </a:solidFill>
+              </a:rPr>
+              <a:t>Rtid</a:t>
+            </a:r>
+            <a:r>
+              <a:rPr lang="en-US" altLang="ko-KR" dirty="0"/>
+              <a:t>, </a:t>
+            </a:r>
+            <a:r>
+              <a:rPr lang="en-US" altLang="ko-KR" dirty="0">
+                <a:solidFill>
                   <a:srgbClr val="0070C0"/>
                 </a:solidFill>
               </a:rPr>
-              <a:t>sid</a:t>
-            </a:r>
-            <a:r>
-              <a:rPr lang="en-US" altLang="ko-KR" dirty="0"/>
-              <a:t>, </a:t>
-            </a:r>
-            <a:r>
-              <a:rPr lang="en-US" altLang="ko-KR" dirty="0">
+              <a:t>rid, </a:t>
+            </a:r>
+            <a:r>
+              <a:rPr lang="en-US" altLang="ko-KR" dirty="0" err="1">
                 <a:solidFill>
                   <a:srgbClr val="0070C0"/>
                 </a:solidFill>
               </a:rPr>
-              <a:t>rid</a:t>
-            </a:r>
-            <a:r>
-              <a:rPr lang="en-US" altLang="ko-KR" dirty="0"/>
-              <a:t>, </a:t>
-            </a:r>
-            <a:r>
-              <a:rPr lang="en-US" altLang="ko-KR" dirty="0" err="1">
-                <a:solidFill>
-                  <a:srgbClr val="0070C0"/>
-                </a:solidFill>
-              </a:rPr>
-              <a:t>due_date</a:t>
-            </a:r>
+              <a:t>tid</a:t>
+            </a:r>
+            <a:endParaRPr lang="en-US" altLang="ko-KR" dirty="0"/>
+          </a:p>
+          <a:p>
             <a:endParaRPr lang="en-US" altLang="ko-KR" dirty="0">
               <a:solidFill>
                 <a:srgbClr val="0070C0"/>
@@ -4493,9 +4955,172 @@
             </a:endParaRPr>
           </a:p>
           <a:p>
-            <a:pPr marL="0" indent="0">
-              <a:buNone/>
-            </a:pPr>
+            <a:r>
+              <a:rPr lang="en-US" altLang="ko-KR" dirty="0"/>
+              <a:t>CREATE TABLE </a:t>
+            </a:r>
+            <a:r>
+              <a:rPr lang="en-US" altLang="ko-KR" dirty="0" err="1"/>
+              <a:t>InternRecruitTags</a:t>
+            </a:r>
+            <a:r>
+              <a:rPr lang="en-US" altLang="ko-KR" dirty="0"/>
+              <a:t> (</a:t>
+            </a:r>
+          </a:p>
+          <a:p>
+            <a:r>
+              <a:rPr lang="en-US" altLang="ko-KR" dirty="0"/>
+              <a:t>	</a:t>
+            </a:r>
+            <a:r>
+              <a:rPr lang="en-US" altLang="ko-KR" dirty="0" err="1"/>
+              <a:t>rtid</a:t>
+            </a:r>
+            <a:r>
+              <a:rPr lang="en-US" altLang="ko-KR" dirty="0"/>
+              <a:t> int NOT NULL PRIMARY KEY,</a:t>
+            </a:r>
+          </a:p>
+          <a:p>
+            <a:r>
+              <a:rPr lang="en-US" altLang="ko-KR" dirty="0"/>
+              <a:t>	rid int NOT NULL FOREIGN KEY REFERENCES Recruits(rid),</a:t>
+            </a:r>
+          </a:p>
+          <a:p>
+            <a:r>
+              <a:rPr lang="en-US" altLang="ko-KR" dirty="0"/>
+              <a:t>	</a:t>
+            </a:r>
+            <a:r>
+              <a:rPr lang="en-US" altLang="ko-KR" dirty="0" err="1"/>
+              <a:t>tid</a:t>
+            </a:r>
+            <a:r>
+              <a:rPr lang="en-US" altLang="ko-KR" dirty="0"/>
+              <a:t> int NOT NULL FOREIGN KEY REFERENCES Tags(</a:t>
+            </a:r>
+            <a:r>
+              <a:rPr lang="en-US" altLang="ko-KR" dirty="0" err="1"/>
+              <a:t>tid</a:t>
+            </a:r>
+            <a:r>
+              <a:rPr lang="en-US" altLang="ko-KR" dirty="0"/>
+              <a:t>)</a:t>
+            </a:r>
+          </a:p>
+          <a:p>
+            <a:r>
+              <a:rPr lang="en-US" altLang="ko-KR" dirty="0"/>
+              <a:t>);</a:t>
+            </a:r>
+          </a:p>
+          <a:p>
+            <a:endParaRPr lang="en-US" altLang="ko-KR" dirty="0"/>
+          </a:p>
+          <a:p>
+            <a:endParaRPr lang="en-US" altLang="ko-KR" dirty="0"/>
+          </a:p>
+        </p:txBody>
+      </p:sp>
+    </p:spTree>
+    <p:extLst>
+      <p:ext uri="{BB962C8B-B14F-4D97-AF65-F5344CB8AC3E}">
+        <p14:creationId xmlns:p14="http://schemas.microsoft.com/office/powerpoint/2010/main" val="1897572992"/>
+      </p:ext>
+    </p:extLst>
+  </p:cSld>
+  <p:clrMapOvr>
+    <a:masterClrMapping/>
+  </p:clrMapOvr>
+</p:sld>
+</file>
+
+<file path=ppt/slides/slide4.xml><?xml version="1.0" encoding="utf-8"?>
+<p:sld xmlns:a="http://schemas.openxmlformats.org/drawingml/2006/main" xmlns:r="http://schemas.openxmlformats.org/officeDocument/2006/relationships" xmlns:p="http://schemas.openxmlformats.org/presentationml/2006/main">
+  <p:cSld>
+    <p:spTree>
+      <p:nvGrpSpPr>
+        <p:cNvPr id="1" name=""/>
+        <p:cNvGrpSpPr/>
+        <p:nvPr/>
+      </p:nvGrpSpPr>
+      <p:grpSpPr>
+        <a:xfrm>
+          <a:off x="0" y="0"/>
+          <a:ext cx="0" cy="0"/>
+          <a:chOff x="0" y="0"/>
+          <a:chExt cx="0" cy="0"/>
+        </a:xfrm>
+      </p:grpSpPr>
+      <p:sp>
+        <p:nvSpPr>
+          <p:cNvPr id="3" name="TextBox 2">
+            <a:extLst>
+              <a:ext uri="{FF2B5EF4-FFF2-40B4-BE49-F238E27FC236}">
+                <a16:creationId xmlns:a16="http://schemas.microsoft.com/office/drawing/2014/main" id="{3F2BB039-8241-45CC-902C-FA1B598E0C9C}"/>
+              </a:ext>
+            </a:extLst>
+          </p:cNvPr>
+          <p:cNvSpPr txBox="1"/>
+          <p:nvPr/>
+        </p:nvSpPr>
+        <p:spPr>
+          <a:xfrm>
+            <a:off x="613775" y="338201"/>
+            <a:ext cx="11373633" cy="5909310"/>
+          </a:xfrm>
+          <a:prstGeom prst="rect">
+            <a:avLst/>
+          </a:prstGeom>
+          <a:noFill/>
+        </p:spPr>
+        <p:txBody>
+          <a:bodyPr wrap="square" numCol="2">
+            <a:spAutoFit/>
+          </a:bodyPr>
+          <a:lstStyle/>
+          <a:p>
+            <a:pPr marL="285750" indent="-285750">
+              <a:buFont typeface="Arial" panose="020B0604020202020204" pitchFamily="34" charset="0"/>
+              <a:buChar char="•"/>
+            </a:pPr>
+            <a:r>
+              <a:rPr lang="ko-KR" altLang="en-US" dirty="0"/>
+              <a:t>산학 모집공고 태그 테이블</a:t>
+            </a:r>
+            <a:endParaRPr lang="en-US" altLang="ko-KR" dirty="0"/>
+          </a:p>
+          <a:p>
+            <a:r>
+              <a:rPr lang="en-US" altLang="ko-KR" dirty="0" err="1">
+                <a:solidFill>
+                  <a:srgbClr val="FF0000"/>
+                </a:solidFill>
+              </a:rPr>
+              <a:t>Ctid</a:t>
+            </a:r>
+            <a:r>
+              <a:rPr lang="en-US" altLang="ko-KR" dirty="0"/>
+              <a:t>, </a:t>
+            </a:r>
+            <a:r>
+              <a:rPr lang="en-US" altLang="ko-KR" dirty="0">
+                <a:solidFill>
+                  <a:srgbClr val="0070C0"/>
+                </a:solidFill>
+              </a:rPr>
+              <a:t>rid, </a:t>
+            </a:r>
+            <a:r>
+              <a:rPr lang="en-US" altLang="ko-KR" dirty="0" err="1">
+                <a:solidFill>
+                  <a:srgbClr val="0070C0"/>
+                </a:solidFill>
+              </a:rPr>
+              <a:t>tid</a:t>
+            </a:r>
             <a:endParaRPr lang="en-US" altLang="ko-KR" dirty="0">
               <a:solidFill>
                 <a:srgbClr val="0070C0"/>
@@ -4503,87 +5128,6 @@
             </a:endParaRPr>
           </a:p>
           <a:p>
-            <a:pPr marL="0" indent="0">
-              <a:buNone/>
-            </a:pPr>
-            <a:r>
-              <a:rPr lang="en-US" altLang="ko-KR" dirty="0"/>
-              <a:t>CREATE TABLE Scraps (</a:t>
-            </a:r>
-          </a:p>
-          <a:p>
-            <a:pPr marL="0" indent="0">
-              <a:buNone/>
-            </a:pPr>
-            <a:r>
-              <a:rPr lang="en-US" altLang="ko-KR" dirty="0"/>
-              <a:t>	</a:t>
-            </a:r>
-            <a:r>
-              <a:rPr lang="en-US" altLang="ko-KR" dirty="0" err="1"/>
-              <a:t>scrap_id</a:t>
-            </a:r>
-            <a:r>
-              <a:rPr lang="en-US" altLang="ko-KR" dirty="0"/>
-              <a:t> int NOT NULL PRIMARY KEY,</a:t>
-            </a:r>
-          </a:p>
-          <a:p>
-            <a:pPr marL="0" indent="0">
-              <a:buNone/>
-            </a:pPr>
-            <a:r>
-              <a:rPr lang="en-US" altLang="ko-KR" dirty="0"/>
-              <a:t>	</a:t>
-            </a:r>
-            <a:r>
-              <a:rPr lang="en-US" altLang="ko-KR" dirty="0" err="1"/>
-              <a:t>sid</a:t>
-            </a:r>
-            <a:r>
-              <a:rPr lang="en-US" altLang="ko-KR" dirty="0"/>
-              <a:t> int NOT NULL FOREIGN KEY,</a:t>
-            </a:r>
-          </a:p>
-          <a:p>
-            <a:pPr marL="0" indent="0">
-              <a:buNone/>
-            </a:pPr>
-            <a:r>
-              <a:rPr lang="en-US" altLang="ko-KR" dirty="0"/>
-              <a:t>	rid int NOT NULL FOREIGN KEY,</a:t>
-            </a:r>
-          </a:p>
-          <a:p>
-            <a:pPr marL="0" indent="0">
-              <a:buNone/>
-            </a:pPr>
-            <a:r>
-              <a:rPr lang="en-US" altLang="ko-KR" dirty="0"/>
-              <a:t>	</a:t>
-            </a:r>
-            <a:r>
-              <a:rPr lang="en-US" altLang="ko-KR" dirty="0" err="1"/>
-              <a:t>due_date</a:t>
-            </a:r>
-            <a:r>
-              <a:rPr lang="en-US" altLang="ko-KR" dirty="0"/>
-              <a:t> date NOT NULL FOREIGN KEY</a:t>
-            </a:r>
-          </a:p>
-          <a:p>
-            <a:pPr marL="0" indent="0">
-              <a:buNone/>
-            </a:pPr>
-            <a:r>
-              <a:rPr lang="en-US" altLang="ko-KR" dirty="0"/>
-              <a:t>)</a:t>
-            </a:r>
-          </a:p>
-          <a:p>
-            <a:pPr marL="0" indent="0">
-              <a:buNone/>
-            </a:pPr>
             <a:endParaRPr lang="en-US" altLang="ko-KR" dirty="0">
               <a:solidFill>
                 <a:srgbClr val="0070C0"/>
@@ -4591,13 +5135,78 @@
             </a:endParaRPr>
           </a:p>
           <a:p>
+            <a:r>
+              <a:rPr lang="en-US" altLang="ko-KR" dirty="0"/>
+              <a:t>CREATE TABLE </a:t>
+            </a:r>
+            <a:r>
+              <a:rPr lang="en-US" altLang="ko-KR" dirty="0" err="1"/>
+              <a:t>CoopRecruitTags</a:t>
+            </a:r>
+            <a:r>
+              <a:rPr lang="en-US" altLang="ko-KR" dirty="0"/>
+              <a:t> (</a:t>
+            </a:r>
+          </a:p>
+          <a:p>
+            <a:r>
+              <a:rPr lang="en-US" altLang="ko-KR" dirty="0"/>
+              <a:t>	</a:t>
+            </a:r>
+            <a:r>
+              <a:rPr lang="en-US" altLang="ko-KR" dirty="0" err="1"/>
+              <a:t>ctid</a:t>
+            </a:r>
+            <a:r>
+              <a:rPr lang="en-US" altLang="ko-KR" dirty="0"/>
+              <a:t> int NOT NULL PRIMARY KEY,</a:t>
+            </a:r>
+          </a:p>
+          <a:p>
+            <a:r>
+              <a:rPr lang="en-US" altLang="ko-KR" dirty="0"/>
+              <a:t>	rid int NOT NULL FOREIGN KEY REFERENCES Recruits(rid),</a:t>
+            </a:r>
+          </a:p>
+          <a:p>
+            <a:r>
+              <a:rPr lang="en-US" altLang="ko-KR" dirty="0"/>
+              <a:t>	</a:t>
+            </a:r>
+            <a:r>
+              <a:rPr lang="en-US" altLang="ko-KR" dirty="0" err="1"/>
+              <a:t>tid</a:t>
+            </a:r>
+            <a:r>
+              <a:rPr lang="en-US" altLang="ko-KR" dirty="0"/>
+              <a:t> int NOT NULL FOREIGN KEY REFERENCES Tags(</a:t>
+            </a:r>
+            <a:r>
+              <a:rPr lang="en-US" altLang="ko-KR" dirty="0" err="1"/>
+              <a:t>tid</a:t>
+            </a:r>
+            <a:r>
+              <a:rPr lang="en-US" altLang="ko-KR" dirty="0"/>
+              <a:t>)</a:t>
+            </a:r>
+          </a:p>
+          <a:p>
+            <a:r>
+              <a:rPr lang="en-US" altLang="ko-KR" dirty="0"/>
+              <a:t>);</a:t>
+            </a:r>
+          </a:p>
+          <a:p>
+            <a:endParaRPr lang="en-US" altLang="ko-KR" dirty="0"/>
+          </a:p>
+          <a:p>
             <a:pPr marL="285750" indent="-285750">
               <a:buFont typeface="Arial" panose="020B0604020202020204" pitchFamily="34" charset="0"/>
               <a:buChar char="•"/>
             </a:pPr>
             <a:r>
               <a:rPr lang="ko-KR" altLang="en-US" dirty="0"/>
-              <a:t>태그 테이블</a:t>
+              <a:t>스크랩 테이블</a:t>
             </a:r>
             <a:endParaRPr lang="en-US" altLang="ko-KR" dirty="0"/>
           </a:p>
@@ -4611,7 +5220,7 @@
                   <a:srgbClr val="FF0000"/>
                 </a:solidFill>
               </a:rPr>
-              <a:t>Tid</a:t>
+              <a:t>Scrap_id</a:t>
             </a:r>
             <a:r>
               <a:rPr lang="en-US" altLang="ko-KR" dirty="0">
@@ -4627,7 +5236,7 @@
                   <a:srgbClr val="FF0000"/>
                 </a:solidFill>
               </a:rPr>
-              <a:t>태그번호</a:t>
+              <a:t>스크랩번호</a:t>
             </a:r>
             <a:r>
               <a:rPr lang="en-US" altLang="ko-KR" dirty="0">
@@ -4642,6 +5251,18 @@
               <a:t>, </a:t>
             </a:r>
             <a:r>
+              <a:rPr lang="en-US" altLang="ko-KR" dirty="0" err="1">
+                <a:solidFill>
+                  <a:srgbClr val="0070C0"/>
+                </a:solidFill>
+              </a:rPr>
+              <a:t>sid</a:t>
+            </a:r>
+            <a:r>
+              <a:rPr lang="en-US" altLang="ko-KR" dirty="0"/>
+              <a:t>, </a:t>
+            </a:r>
+            <a:r>
               <a:rPr lang="en-US" altLang="ko-KR" dirty="0">
                 <a:solidFill>
                   <a:srgbClr val="0070C0"/>
@@ -4651,28 +5272,276 @@
             </a:r>
             <a:r>
               <a:rPr lang="en-US" altLang="ko-KR" dirty="0"/>
-              <a:t>, tname1, tname2, tname3, tname4, tname5</a:t>
-            </a:r>
-          </a:p>
-          <a:p>
-            <a:pPr marL="0" indent="0">
-              <a:buNone/>
-            </a:pPr>
+              <a:t>, </a:t>
+            </a:r>
+            <a:r>
+              <a:rPr lang="en-US" altLang="ko-KR" dirty="0" err="1">
+                <a:solidFill>
+                  <a:srgbClr val="0070C0"/>
+                </a:solidFill>
+              </a:rPr>
+              <a:t>due_date</a:t>
+            </a:r>
+            <a:endParaRPr lang="en-US" altLang="ko-KR" dirty="0">
+              <a:solidFill>
+                <a:srgbClr val="0070C0"/>
+              </a:solidFill>
+            </a:endParaRPr>
+          </a:p>
+          <a:p>
+            <a:pPr marL="0" indent="0">
+              <a:buNone/>
+            </a:pPr>
+            <a:endParaRPr lang="en-US" altLang="ko-KR" dirty="0">
+              <a:solidFill>
+                <a:srgbClr val="0070C0"/>
+              </a:solidFill>
+            </a:endParaRPr>
+          </a:p>
+          <a:p>
+            <a:pPr marL="0" indent="0">
+              <a:buNone/>
+            </a:pPr>
+            <a:r>
+              <a:rPr lang="en-US" altLang="ko-KR" dirty="0"/>
+              <a:t>CREATE TABLE Scraps (</a:t>
+            </a:r>
+          </a:p>
+          <a:p>
+            <a:pPr marL="0" indent="0">
+              <a:buNone/>
+            </a:pPr>
+            <a:r>
+              <a:rPr lang="en-US" altLang="ko-KR" dirty="0"/>
+              <a:t>	</a:t>
+            </a:r>
+            <a:r>
+              <a:rPr lang="en-US" altLang="ko-KR" dirty="0" err="1"/>
+              <a:t>scrap_id</a:t>
+            </a:r>
+            <a:r>
+              <a:rPr lang="en-US" altLang="ko-KR" dirty="0"/>
+              <a:t> int NOT NULL PRIMARY KEY,</a:t>
+            </a:r>
+          </a:p>
+          <a:p>
+            <a:pPr marL="0" indent="0">
+              <a:buNone/>
+            </a:pPr>
+            <a:r>
+              <a:rPr lang="en-US" altLang="ko-KR" dirty="0"/>
+              <a:t>	</a:t>
+            </a:r>
+            <a:r>
+              <a:rPr lang="en-US" altLang="ko-KR" dirty="0" err="1"/>
+              <a:t>sid</a:t>
+            </a:r>
+            <a:r>
+              <a:rPr lang="en-US" altLang="ko-KR" dirty="0"/>
+              <a:t> int NOT NULL FOREIGN KEY,</a:t>
+            </a:r>
+          </a:p>
+          <a:p>
+            <a:pPr marL="0" indent="0">
+              <a:buNone/>
+            </a:pPr>
+            <a:r>
+              <a:rPr lang="en-US" altLang="ko-KR" dirty="0"/>
+              <a:t>	rid int NOT NULL FOREIGN KEY,</a:t>
+            </a:r>
+          </a:p>
+          <a:p>
+            <a:pPr marL="0" indent="0">
+              <a:buNone/>
+            </a:pPr>
+            <a:r>
+              <a:rPr lang="en-US" altLang="ko-KR" dirty="0"/>
+              <a:t>	</a:t>
+            </a:r>
+            <a:r>
+              <a:rPr lang="en-US" altLang="ko-KR" dirty="0" err="1"/>
+              <a:t>due_date</a:t>
+            </a:r>
+            <a:r>
+              <a:rPr lang="en-US" altLang="ko-KR" dirty="0"/>
+              <a:t> date NOT NULL FOREIGN KEY</a:t>
+            </a:r>
+          </a:p>
+          <a:p>
+            <a:pPr marL="0" indent="0">
+              <a:buNone/>
+            </a:pPr>
+            <a:r>
+              <a:rPr lang="en-US" altLang="ko-KR" dirty="0"/>
+              <a:t>)</a:t>
+            </a:r>
+          </a:p>
+          <a:p>
+            <a:pPr marL="0" indent="0">
+              <a:buNone/>
+            </a:pPr>
+            <a:endParaRPr lang="en-US" altLang="ko-KR" dirty="0">
+              <a:solidFill>
+                <a:srgbClr val="0070C0"/>
+              </a:solidFill>
+            </a:endParaRPr>
+          </a:p>
+          <a:p>
             <a:endParaRPr lang="en-US" altLang="ko-KR" dirty="0"/>
           </a:p>
           <a:p>
-            <a:pPr marL="0" indent="0">
-              <a:buNone/>
-            </a:pPr>
-            <a:r>
-              <a:rPr lang="en-US" altLang="ko-KR" dirty="0"/>
-              <a:t>CREATE TABLE Tags (</a:t>
-            </a:r>
-          </a:p>
-          <a:p>
-            <a:pPr marL="0" indent="0">
-              <a:buNone/>
-            </a:pPr>
+            <a:pPr marL="285750" indent="-285750">
+              <a:buFont typeface="Arial" panose="020B0604020202020204" pitchFamily="34" charset="0"/>
+              <a:buChar char="•"/>
+            </a:pPr>
+            <a:r>
+              <a:rPr lang="ko-KR" altLang="en-US" dirty="0"/>
+              <a:t>조건 저장 테이블</a:t>
+            </a:r>
+            <a:endParaRPr lang="en-US" altLang="ko-KR" dirty="0"/>
+          </a:p>
+          <a:p>
+            <a:r>
+              <a:rPr lang="en-US" altLang="ko-KR" dirty="0" err="1">
+                <a:solidFill>
+                  <a:srgbClr val="FF0000"/>
+                </a:solidFill>
+              </a:rPr>
+              <a:t>Scid</a:t>
+            </a:r>
+            <a:r>
+              <a:rPr lang="en-US" altLang="ko-KR" dirty="0">
+                <a:solidFill>
+                  <a:srgbClr val="FF0000"/>
+                </a:solidFill>
+              </a:rPr>
+              <a:t>(</a:t>
+            </a:r>
+            <a:r>
+              <a:rPr lang="ko-KR" altLang="en-US" dirty="0">
+                <a:solidFill>
+                  <a:srgbClr val="FF0000"/>
+                </a:solidFill>
+              </a:rPr>
+              <a:t>조건저장</a:t>
+            </a:r>
+            <a:r>
+              <a:rPr lang="en-US" altLang="ko-KR" dirty="0">
+                <a:solidFill>
+                  <a:srgbClr val="FF0000"/>
+                </a:solidFill>
+              </a:rPr>
+              <a:t>id)</a:t>
+            </a:r>
+            <a:r>
+              <a:rPr lang="en-US" altLang="ko-KR" dirty="0"/>
+              <a:t>, </a:t>
+            </a:r>
+            <a:r>
+              <a:rPr lang="en-US" altLang="ko-KR" dirty="0" err="1">
+                <a:solidFill>
+                  <a:srgbClr val="0070C0"/>
+                </a:solidFill>
+              </a:rPr>
+              <a:t>sid</a:t>
+            </a:r>
+            <a:r>
+              <a:rPr lang="en-US" altLang="ko-KR" dirty="0"/>
+              <a:t>, </a:t>
+            </a:r>
+            <a:r>
+              <a:rPr lang="en-US" altLang="ko-KR" dirty="0" err="1"/>
+              <a:t>postion</a:t>
+            </a:r>
+            <a:r>
+              <a:rPr lang="en-US" altLang="ko-KR" dirty="0"/>
+              <a:t>, </a:t>
+            </a:r>
+            <a:r>
+              <a:rPr lang="en-US" altLang="ko-KR" dirty="0" err="1">
+                <a:solidFill>
+                  <a:srgbClr val="0070C0"/>
+                </a:solidFill>
+              </a:rPr>
+              <a:t>tid</a:t>
+            </a:r>
+            <a:r>
+              <a:rPr lang="en-US" altLang="ko-KR" dirty="0"/>
+              <a:t>, </a:t>
+            </a:r>
+            <a:r>
+              <a:rPr lang="en-US" altLang="ko-KR" dirty="0">
+                <a:solidFill>
+                  <a:srgbClr val="0070C0"/>
+                </a:solidFill>
+              </a:rPr>
+              <a:t>lid</a:t>
+            </a:r>
+            <a:r>
+              <a:rPr lang="en-US" altLang="ko-KR" dirty="0"/>
+              <a:t>, payment, duration</a:t>
+            </a:r>
+          </a:p>
+          <a:p>
+            <a:endParaRPr lang="en-US" altLang="ko-KR" dirty="0"/>
+          </a:p>
+          <a:p>
+            <a:r>
+              <a:rPr lang="en-US" altLang="ko-KR" dirty="0"/>
+              <a:t>CREATE TABLE </a:t>
+            </a:r>
+            <a:r>
+              <a:rPr lang="en-US" altLang="ko-KR" dirty="0" err="1"/>
+              <a:t>SelectedConditions</a:t>
+            </a:r>
+            <a:r>
+              <a:rPr lang="en-US" altLang="ko-KR" dirty="0"/>
+              <a:t> (</a:t>
+            </a:r>
+          </a:p>
+          <a:p>
+            <a:r>
+              <a:rPr lang="en-US" altLang="ko-KR" dirty="0"/>
+              <a:t>	</a:t>
+            </a:r>
+            <a:r>
+              <a:rPr lang="en-US" altLang="ko-KR" dirty="0" err="1"/>
+              <a:t>scid</a:t>
+            </a:r>
+            <a:r>
+              <a:rPr lang="en-US" altLang="ko-KR" dirty="0"/>
+              <a:t> int NOT NULL PRIMARY KEY,</a:t>
+            </a:r>
+          </a:p>
+          <a:p>
+            <a:r>
+              <a:rPr lang="en-US" altLang="ko-KR" dirty="0"/>
+              <a:t>	</a:t>
+            </a:r>
+            <a:r>
+              <a:rPr lang="en-US" altLang="ko-KR" dirty="0" err="1"/>
+              <a:t>sid</a:t>
+            </a:r>
+            <a:r>
+              <a:rPr lang="en-US" altLang="ko-KR" dirty="0"/>
+              <a:t> int NOT NULL FOREIGN KEY REFERENCES Students(</a:t>
+            </a:r>
+            <a:r>
+              <a:rPr lang="en-US" altLang="ko-KR" dirty="0" err="1"/>
+              <a:t>sid</a:t>
+            </a:r>
+            <a:r>
+              <a:rPr lang="en-US" altLang="ko-KR" dirty="0"/>
+              <a:t>),</a:t>
+            </a:r>
+          </a:p>
+          <a:p>
+            <a:r>
+              <a:rPr lang="en-US" altLang="ko-KR" dirty="0"/>
+              <a:t>	position varchar,</a:t>
+            </a:r>
+          </a:p>
+          <a:p>
             <a:r>
               <a:rPr lang="en-US" altLang="ko-KR" dirty="0"/>
               <a:t>	</a:t>
@@ -4683,52 +5552,25 @@
             </a:r>
             <a:r>
               <a:rPr lang="en-US" altLang="ko-KR" dirty="0"/>
-              <a:t> int NOT NULL PRIMARY KEY,</a:t>
-            </a:r>
-          </a:p>
-          <a:p>
-            <a:pPr marL="0" indent="0">
-              <a:buNone/>
-            </a:pPr>
-            <a:r>
-              <a:rPr lang="en-US" altLang="ko-KR" dirty="0"/>
-              <a:t>	rid int NOT NULL FOREIGN KEY REFERENCES Recruits(rid),</a:t>
-            </a:r>
-          </a:p>
-          <a:p>
-            <a:pPr marL="0" indent="0">
-              <a:buNone/>
-            </a:pPr>
-            <a:r>
-              <a:rPr lang="en-US" altLang="ko-KR" dirty="0"/>
-              <a:t>	tname1 varchar NOT NULL,</a:t>
-            </a:r>
-          </a:p>
-          <a:p>
-            <a:pPr marL="0" indent="0">
-              <a:buNone/>
-            </a:pPr>
-            <a:r>
-              <a:rPr lang="en-US" altLang="ko-KR" dirty="0"/>
-              <a:t>	tname2 varchar,</a:t>
-            </a:r>
-          </a:p>
-          <a:p>
-            <a:r>
-              <a:rPr lang="en-US" altLang="ko-KR" dirty="0"/>
-              <a:t>	tname3 varchar,</a:t>
-            </a:r>
-          </a:p>
-          <a:p>
-            <a:r>
-              <a:rPr lang="en-US" altLang="ko-KR" dirty="0"/>
-              <a:t>	tname4 varchar,</a:t>
-            </a:r>
-          </a:p>
-          <a:p>
-            <a:r>
-              <a:rPr lang="en-US" altLang="ko-KR" dirty="0"/>
-              <a:t>	tname5 varchar</a:t>
+              <a:t> int,</a:t>
+            </a:r>
+          </a:p>
+          <a:p>
+            <a:r>
+              <a:rPr lang="en-US" altLang="ko-KR" dirty="0"/>
+              <a:t>	lid int,</a:t>
+            </a:r>
+          </a:p>
+          <a:p>
+            <a:r>
+              <a:rPr lang="en-US" altLang="ko-KR" dirty="0"/>
+              <a:t>	payment double,</a:t>
+            </a:r>
+          </a:p>
+          <a:p>
+            <a:r>
+              <a:rPr lang="en-US" altLang="ko-KR" dirty="0"/>
+              <a:t>	duration int</a:t>
             </a:r>
           </a:p>
           <a:p>
@@ -4736,19 +5578,13 @@
               <a:rPr lang="en-US" altLang="ko-KR" dirty="0"/>
               <a:t>);</a:t>
             </a:r>
-          </a:p>
-          <a:p>
-            <a:pPr marL="0" indent="0">
-              <a:buNone/>
-            </a:pPr>
-            <a:endParaRPr lang="en-US" altLang="ko-KR" dirty="0"/>
           </a:p>
         </p:txBody>
       </p:sp>
     </p:spTree>
     <p:extLst>
       <p:ext uri="{BB962C8B-B14F-4D97-AF65-F5344CB8AC3E}">
-        <p14:creationId xmlns:p14="http://schemas.microsoft.com/office/powerpoint/2010/main" val="1897572992"/>
+        <p14:creationId xmlns:p14="http://schemas.microsoft.com/office/powerpoint/2010/main" val="650100609"/>
       </p:ext>
     </p:extLst>
   </p:cSld>
